--- a/CV/CV KOUASSI GLOHNDY.pptx
+++ b/CV/CV KOUASSI GLOHNDY.pptx
@@ -5,10 +5,10 @@
     <p:sldMasterId id="2147483648" r:id="rId1"/>
   </p:sldMasterIdLst>
   <p:notesMasterIdLst>
-    <p:notesMasterId r:id="rId4"/>
+    <p:notesMasterId r:id="rId3"/>
   </p:notesMasterIdLst>
   <p:sldIdLst>
-    <p:sldId id="256" r:id="rId3"/>
+    <p:sldId id="256" r:id="rId2"/>
   </p:sldIdLst>
   <p:sldSz cx="6858000" cy="9906000" type="A4"/>
   <p:notesSz cx="6858000" cy="9144000"/>
@@ -107,6 +107,11 @@
       </a:defRPr>
     </a:lvl9pPr>
   </p:defaultTextStyle>
+  <p:extLst>
+    <p:ext uri="{EFAFB233-063F-42B5-8137-9DF3F51BA10A}">
+      <p15:sldGuideLst xmlns:p15="http://schemas.microsoft.com/office/powerpoint/2012/main"/>
+    </p:ext>
+  </p:extLst>
 </p:presentation>
 </file>
 
@@ -192,6 +197,7 @@
           <a:p>
             <a:fld id="{439CED96-068A-4274-8614-CE8858D45159}" type="datetimeFigureOut">
               <a:rPr lang="fr-FR" smtClean="0"/>
+              <a:t>07/12/2023</a:t>
             </a:fld>
             <a:endParaRPr lang="fr-FR"/>
           </a:p>
@@ -258,7 +264,6 @@
               <a:rPr lang="fr-FR" smtClean="0"/>
               <a:t>Modifier les styles du texte du masque</a:t>
             </a:r>
-            <a:endParaRPr lang="fr-FR" smtClean="0"/>
           </a:p>
           <a:p>
             <a:pPr lvl="1"/>
@@ -266,7 +271,6 @@
               <a:rPr lang="fr-FR" smtClean="0"/>
               <a:t>Deuxième niveau</a:t>
             </a:r>
-            <a:endParaRPr lang="fr-FR" smtClean="0"/>
           </a:p>
           <a:p>
             <a:pPr lvl="2"/>
@@ -274,7 +278,6 @@
               <a:rPr lang="fr-FR" smtClean="0"/>
               <a:t>Troisième niveau</a:t>
             </a:r>
-            <a:endParaRPr lang="fr-FR" smtClean="0"/>
           </a:p>
           <a:p>
             <a:pPr lvl="3"/>
@@ -282,7 +285,6 @@
               <a:rPr lang="fr-FR" smtClean="0"/>
               <a:t>Quatrième niveau</a:t>
             </a:r>
-            <a:endParaRPr lang="fr-FR" smtClean="0"/>
           </a:p>
           <a:p>
             <a:pPr lvl="4"/>
@@ -354,6 +356,7 @@
           <a:p>
             <a:fld id="{379DBC96-224C-4F47-B1D0-6020CB55D1D9}" type="slidenum">
               <a:rPr lang="fr-FR" smtClean="0"/>
+              <a:t>‹N°›</a:t>
             </a:fld>
             <a:endParaRPr lang="fr-FR"/>
           </a:p>
@@ -466,21 +469,37 @@
         <p:cNvGrpSpPr/>
         <p:nvPr/>
       </p:nvGrpSpPr>
-      <p:grpSpPr/>
+      <p:grpSpPr>
+        <a:xfrm>
+          <a:off x="0" y="0"/>
+          <a:ext cx="0" cy="0"/>
+          <a:chOff x="0" y="0"/>
+          <a:chExt cx="0" cy="0"/>
+        </a:xfrm>
+      </p:grpSpPr>
       <p:sp>
         <p:nvSpPr>
           <p:cNvPr id="2" name="Espace réservé de l'image des diapositives 1"/>
-          <p:cNvSpPr/>
+          <p:cNvSpPr>
+            <a:spLocks noGrp="1" noRot="1" noChangeAspect="1"/>
+          </p:cNvSpPr>
           <p:nvPr>
             <p:ph type="sldImg" idx="2"/>
           </p:nvPr>
         </p:nvSpPr>
-        <p:spPr/>
+        <p:spPr>
+          <a:xfrm>
+            <a:off x="2360613" y="1143000"/>
+            <a:ext cx="2136775" cy="3086100"/>
+          </a:xfrm>
+        </p:spPr>
       </p:sp>
       <p:sp>
         <p:nvSpPr>
           <p:cNvPr id="3" name="Espace réservé du texte 2"/>
-          <p:cNvSpPr/>
+          <p:cNvSpPr>
+            <a:spLocks noGrp="1"/>
+          </p:cNvSpPr>
           <p:nvPr>
             <p:ph type="body" idx="3"/>
           </p:nvPr>
@@ -488,6 +507,7 @@
         <p:spPr/>
         <p:txBody>
           <a:bodyPr/>
+          <a:lstStyle/>
           <a:p>
             <a:endParaRPr lang="fr-FR" altLang="en-US"/>
           </a:p>
@@ -632,6 +652,7 @@
           <a:p>
             <a:fld id="{2010C000-F47A-4862-94BD-D4C6B79C0935}" type="datetimeFigureOut">
               <a:rPr lang="en-US" smtClean="0"/>
+              <a:t>12/7/2023</a:t>
             </a:fld>
             <a:endParaRPr lang="en-US"/>
           </a:p>
@@ -673,6 +694,7 @@
           <a:p>
             <a:fld id="{46BB89DA-8D2B-4901-92A3-18ABD4C70488}" type="slidenum">
               <a:rPr lang="en-US" smtClean="0"/>
+              <a:t>‹N°›</a:t>
             </a:fld>
             <a:endParaRPr lang="en-US"/>
           </a:p>
@@ -746,7 +768,6 @@
               <a:rPr lang="en-US"/>
               <a:t>Click to edit Master text styles</a:t>
             </a:r>
-            <a:endParaRPr lang="en-US"/>
           </a:p>
           <a:p>
             <a:pPr lvl="1"/>
@@ -754,7 +775,6 @@
               <a:rPr lang="en-US"/>
               <a:t>Second level</a:t>
             </a:r>
-            <a:endParaRPr lang="en-US"/>
           </a:p>
           <a:p>
             <a:pPr lvl="2"/>
@@ -762,7 +782,6 @@
               <a:rPr lang="en-US"/>
               <a:t>Third level</a:t>
             </a:r>
-            <a:endParaRPr lang="en-US"/>
           </a:p>
           <a:p>
             <a:pPr lvl="3"/>
@@ -770,7 +789,6 @@
               <a:rPr lang="en-US"/>
               <a:t>Fourth level</a:t>
             </a:r>
-            <a:endParaRPr lang="en-US"/>
           </a:p>
           <a:p>
             <a:pPr lvl="4"/>
@@ -799,6 +817,7 @@
           <a:p>
             <a:fld id="{2010C000-F47A-4862-94BD-D4C6B79C0935}" type="datetimeFigureOut">
               <a:rPr lang="en-US" smtClean="0"/>
+              <a:t>12/7/2023</a:t>
             </a:fld>
             <a:endParaRPr lang="en-US"/>
           </a:p>
@@ -840,6 +859,7 @@
           <a:p>
             <a:fld id="{46BB89DA-8D2B-4901-92A3-18ABD4C70488}" type="slidenum">
               <a:rPr lang="en-US" smtClean="0"/>
+              <a:t>‹N°›</a:t>
             </a:fld>
             <a:endParaRPr lang="en-US"/>
           </a:p>
@@ -923,7 +943,6 @@
               <a:rPr lang="en-US"/>
               <a:t>Click to edit Master text styles</a:t>
             </a:r>
-            <a:endParaRPr lang="en-US"/>
           </a:p>
           <a:p>
             <a:pPr lvl="1"/>
@@ -931,7 +950,6 @@
               <a:rPr lang="en-US"/>
               <a:t>Second level</a:t>
             </a:r>
-            <a:endParaRPr lang="en-US"/>
           </a:p>
           <a:p>
             <a:pPr lvl="2"/>
@@ -939,7 +957,6 @@
               <a:rPr lang="en-US"/>
               <a:t>Third level</a:t>
             </a:r>
-            <a:endParaRPr lang="en-US"/>
           </a:p>
           <a:p>
             <a:pPr lvl="3"/>
@@ -947,7 +964,6 @@
               <a:rPr lang="en-US"/>
               <a:t>Fourth level</a:t>
             </a:r>
-            <a:endParaRPr lang="en-US"/>
           </a:p>
           <a:p>
             <a:pPr lvl="4"/>
@@ -976,6 +992,7 @@
           <a:p>
             <a:fld id="{2010C000-F47A-4862-94BD-D4C6B79C0935}" type="datetimeFigureOut">
               <a:rPr lang="en-US" smtClean="0"/>
+              <a:t>12/7/2023</a:t>
             </a:fld>
             <a:endParaRPr lang="en-US"/>
           </a:p>
@@ -1017,6 +1034,7 @@
           <a:p>
             <a:fld id="{46BB89DA-8D2B-4901-92A3-18ABD4C70488}" type="slidenum">
               <a:rPr lang="en-US" smtClean="0"/>
+              <a:t>‹N°›</a:t>
             </a:fld>
             <a:endParaRPr lang="en-US"/>
           </a:p>
@@ -1090,7 +1108,6 @@
               <a:rPr lang="en-US"/>
               <a:t>Click to edit Master text styles</a:t>
             </a:r>
-            <a:endParaRPr lang="en-US"/>
           </a:p>
           <a:p>
             <a:pPr lvl="1"/>
@@ -1098,7 +1115,6 @@
               <a:rPr lang="en-US"/>
               <a:t>Second level</a:t>
             </a:r>
-            <a:endParaRPr lang="en-US"/>
           </a:p>
           <a:p>
             <a:pPr lvl="2"/>
@@ -1106,7 +1122,6 @@
               <a:rPr lang="en-US"/>
               <a:t>Third level</a:t>
             </a:r>
-            <a:endParaRPr lang="en-US"/>
           </a:p>
           <a:p>
             <a:pPr lvl="3"/>
@@ -1114,7 +1129,6 @@
               <a:rPr lang="en-US"/>
               <a:t>Fourth level</a:t>
             </a:r>
-            <a:endParaRPr lang="en-US"/>
           </a:p>
           <a:p>
             <a:pPr lvl="4"/>
@@ -1143,6 +1157,7 @@
           <a:p>
             <a:fld id="{2010C000-F47A-4862-94BD-D4C6B79C0935}" type="datetimeFigureOut">
               <a:rPr lang="en-US" smtClean="0"/>
+              <a:t>12/7/2023</a:t>
             </a:fld>
             <a:endParaRPr lang="en-US"/>
           </a:p>
@@ -1184,6 +1199,7 @@
           <a:p>
             <a:fld id="{46BB89DA-8D2B-4901-92A3-18ABD4C70488}" type="slidenum">
               <a:rPr lang="en-US" smtClean="0"/>
+              <a:t>‹N°›</a:t>
             </a:fld>
             <a:endParaRPr lang="en-US"/>
           </a:p>
@@ -1360,7 +1376,6 @@
               <a:rPr lang="en-US"/>
               <a:t>Click to edit Master text styles</a:t>
             </a:r>
-            <a:endParaRPr lang="en-US"/>
           </a:p>
         </p:txBody>
       </p:sp>
@@ -1381,6 +1396,7 @@
           <a:p>
             <a:fld id="{2010C000-F47A-4862-94BD-D4C6B79C0935}" type="datetimeFigureOut">
               <a:rPr lang="en-US" smtClean="0"/>
+              <a:t>12/7/2023</a:t>
             </a:fld>
             <a:endParaRPr lang="en-US"/>
           </a:p>
@@ -1422,6 +1438,7 @@
           <a:p>
             <a:fld id="{46BB89DA-8D2B-4901-92A3-18ABD4C70488}" type="slidenum">
               <a:rPr lang="en-US" smtClean="0"/>
+              <a:t>‹N°›</a:t>
             </a:fld>
             <a:endParaRPr lang="en-US"/>
           </a:p>
@@ -1500,7 +1517,6 @@
               <a:rPr lang="en-US"/>
               <a:t>Click to edit Master text styles</a:t>
             </a:r>
-            <a:endParaRPr lang="en-US"/>
           </a:p>
           <a:p>
             <a:pPr lvl="1"/>
@@ -1508,7 +1524,6 @@
               <a:rPr lang="en-US"/>
               <a:t>Second level</a:t>
             </a:r>
-            <a:endParaRPr lang="en-US"/>
           </a:p>
           <a:p>
             <a:pPr lvl="2"/>
@@ -1516,7 +1531,6 @@
               <a:rPr lang="en-US"/>
               <a:t>Third level</a:t>
             </a:r>
-            <a:endParaRPr lang="en-US"/>
           </a:p>
           <a:p>
             <a:pPr lvl="3"/>
@@ -1524,7 +1538,6 @@
               <a:rPr lang="en-US"/>
               <a:t>Fourth level</a:t>
             </a:r>
-            <a:endParaRPr lang="en-US"/>
           </a:p>
           <a:p>
             <a:pPr lvl="4"/>
@@ -1561,7 +1574,6 @@
               <a:rPr lang="en-US"/>
               <a:t>Click to edit Master text styles</a:t>
             </a:r>
-            <a:endParaRPr lang="en-US"/>
           </a:p>
           <a:p>
             <a:pPr lvl="1"/>
@@ -1569,7 +1581,6 @@
               <a:rPr lang="en-US"/>
               <a:t>Second level</a:t>
             </a:r>
-            <a:endParaRPr lang="en-US"/>
           </a:p>
           <a:p>
             <a:pPr lvl="2"/>
@@ -1577,7 +1588,6 @@
               <a:rPr lang="en-US"/>
               <a:t>Third level</a:t>
             </a:r>
-            <a:endParaRPr lang="en-US"/>
           </a:p>
           <a:p>
             <a:pPr lvl="3"/>
@@ -1585,7 +1595,6 @@
               <a:rPr lang="en-US"/>
               <a:t>Fourth level</a:t>
             </a:r>
-            <a:endParaRPr lang="en-US"/>
           </a:p>
           <a:p>
             <a:pPr lvl="4"/>
@@ -1614,6 +1623,7 @@
           <a:p>
             <a:fld id="{2010C000-F47A-4862-94BD-D4C6B79C0935}" type="datetimeFigureOut">
               <a:rPr lang="en-US" smtClean="0"/>
+              <a:t>12/7/2023</a:t>
             </a:fld>
             <a:endParaRPr lang="en-US"/>
           </a:p>
@@ -1655,6 +1665,7 @@
           <a:p>
             <a:fld id="{46BB89DA-8D2B-4901-92A3-18ABD4C70488}" type="slidenum">
               <a:rPr lang="en-US" smtClean="0"/>
+              <a:t>‹N°›</a:t>
             </a:fld>
             <a:endParaRPr lang="en-US"/>
           </a:p>
@@ -1775,7 +1786,6 @@
               <a:rPr lang="en-US"/>
               <a:t>Click to edit Master text styles</a:t>
             </a:r>
-            <a:endParaRPr lang="en-US"/>
           </a:p>
         </p:txBody>
       </p:sp>
@@ -1804,7 +1814,6 @@
               <a:rPr lang="en-US"/>
               <a:t>Click to edit Master text styles</a:t>
             </a:r>
-            <a:endParaRPr lang="en-US"/>
           </a:p>
           <a:p>
             <a:pPr lvl="1"/>
@@ -1812,7 +1821,6 @@
               <a:rPr lang="en-US"/>
               <a:t>Second level</a:t>
             </a:r>
-            <a:endParaRPr lang="en-US"/>
           </a:p>
           <a:p>
             <a:pPr lvl="2"/>
@@ -1820,7 +1828,6 @@
               <a:rPr lang="en-US"/>
               <a:t>Third level</a:t>
             </a:r>
-            <a:endParaRPr lang="en-US"/>
           </a:p>
           <a:p>
             <a:pPr lvl="3"/>
@@ -1828,7 +1835,6 @@
               <a:rPr lang="en-US"/>
               <a:t>Fourth level</a:t>
             </a:r>
-            <a:endParaRPr lang="en-US"/>
           </a:p>
           <a:p>
             <a:pPr lvl="4"/>
@@ -1902,7 +1908,6 @@
               <a:rPr lang="en-US"/>
               <a:t>Click to edit Master text styles</a:t>
             </a:r>
-            <a:endParaRPr lang="en-US"/>
           </a:p>
         </p:txBody>
       </p:sp>
@@ -1931,7 +1936,6 @@
               <a:rPr lang="en-US"/>
               <a:t>Click to edit Master text styles</a:t>
             </a:r>
-            <a:endParaRPr lang="en-US"/>
           </a:p>
           <a:p>
             <a:pPr lvl="1"/>
@@ -1939,7 +1943,6 @@
               <a:rPr lang="en-US"/>
               <a:t>Second level</a:t>
             </a:r>
-            <a:endParaRPr lang="en-US"/>
           </a:p>
           <a:p>
             <a:pPr lvl="2"/>
@@ -1947,7 +1950,6 @@
               <a:rPr lang="en-US"/>
               <a:t>Third level</a:t>
             </a:r>
-            <a:endParaRPr lang="en-US"/>
           </a:p>
           <a:p>
             <a:pPr lvl="3"/>
@@ -1955,7 +1957,6 @@
               <a:rPr lang="en-US"/>
               <a:t>Fourth level</a:t>
             </a:r>
-            <a:endParaRPr lang="en-US"/>
           </a:p>
           <a:p>
             <a:pPr lvl="4"/>
@@ -1984,6 +1985,7 @@
           <a:p>
             <a:fld id="{2010C000-F47A-4862-94BD-D4C6B79C0935}" type="datetimeFigureOut">
               <a:rPr lang="en-US" smtClean="0"/>
+              <a:t>12/7/2023</a:t>
             </a:fld>
             <a:endParaRPr lang="en-US"/>
           </a:p>
@@ -2025,6 +2027,7 @@
           <a:p>
             <a:fld id="{46BB89DA-8D2B-4901-92A3-18ABD4C70488}" type="slidenum">
               <a:rPr lang="en-US" smtClean="0"/>
+              <a:t>‹N°›</a:t>
             </a:fld>
             <a:endParaRPr lang="en-US"/>
           </a:p>
@@ -2095,6 +2098,7 @@
           <a:p>
             <a:fld id="{2010C000-F47A-4862-94BD-D4C6B79C0935}" type="datetimeFigureOut">
               <a:rPr lang="en-US" smtClean="0"/>
+              <a:t>12/7/2023</a:t>
             </a:fld>
             <a:endParaRPr lang="en-US"/>
           </a:p>
@@ -2136,6 +2140,7 @@
           <a:p>
             <a:fld id="{46BB89DA-8D2B-4901-92A3-18ABD4C70488}" type="slidenum">
               <a:rPr lang="en-US" smtClean="0"/>
+              <a:t>‹N°›</a:t>
             </a:fld>
             <a:endParaRPr lang="en-US"/>
           </a:p>
@@ -2183,6 +2188,7 @@
           <a:p>
             <a:fld id="{2010C000-F47A-4862-94BD-D4C6B79C0935}" type="datetimeFigureOut">
               <a:rPr lang="en-US" smtClean="0"/>
+              <a:t>12/7/2023</a:t>
             </a:fld>
             <a:endParaRPr lang="en-US"/>
           </a:p>
@@ -2224,6 +2230,7 @@
           <a:p>
             <a:fld id="{46BB89DA-8D2B-4901-92A3-18ABD4C70488}" type="slidenum">
               <a:rPr lang="en-US" smtClean="0"/>
+              <a:t>‹N°›</a:t>
             </a:fld>
             <a:endParaRPr lang="en-US"/>
           </a:p>
@@ -2339,7 +2346,6 @@
               <a:rPr lang="en-US"/>
               <a:t>Click to edit Master text styles</a:t>
             </a:r>
-            <a:endParaRPr lang="en-US"/>
           </a:p>
           <a:p>
             <a:pPr lvl="1"/>
@@ -2347,7 +2353,6 @@
               <a:rPr lang="en-US"/>
               <a:t>Second level</a:t>
             </a:r>
-            <a:endParaRPr lang="en-US"/>
           </a:p>
           <a:p>
             <a:pPr lvl="2"/>
@@ -2355,7 +2360,6 @@
               <a:rPr lang="en-US"/>
               <a:t>Third level</a:t>
             </a:r>
-            <a:endParaRPr lang="en-US"/>
           </a:p>
           <a:p>
             <a:pPr lvl="3"/>
@@ -2363,7 +2367,6 @@
               <a:rPr lang="en-US"/>
               <a:t>Fourth level</a:t>
             </a:r>
-            <a:endParaRPr lang="en-US"/>
           </a:p>
           <a:p>
             <a:pPr lvl="4"/>
@@ -2437,7 +2440,6 @@
               <a:rPr lang="en-US"/>
               <a:t>Click to edit Master text styles</a:t>
             </a:r>
-            <a:endParaRPr lang="en-US"/>
           </a:p>
         </p:txBody>
       </p:sp>
@@ -2458,6 +2460,7 @@
           <a:p>
             <a:fld id="{2010C000-F47A-4862-94BD-D4C6B79C0935}" type="datetimeFigureOut">
               <a:rPr lang="en-US" smtClean="0"/>
+              <a:t>12/7/2023</a:t>
             </a:fld>
             <a:endParaRPr lang="en-US"/>
           </a:p>
@@ -2499,6 +2502,7 @@
           <a:p>
             <a:fld id="{46BB89DA-8D2B-4901-92A3-18ABD4C70488}" type="slidenum">
               <a:rPr lang="en-US" smtClean="0"/>
+              <a:t>‹N°›</a:t>
             </a:fld>
             <a:endParaRPr lang="en-US"/>
           </a:p>
@@ -2688,7 +2692,6 @@
               <a:rPr lang="en-US"/>
               <a:t>Click to edit Master text styles</a:t>
             </a:r>
-            <a:endParaRPr lang="en-US"/>
           </a:p>
         </p:txBody>
       </p:sp>
@@ -2709,6 +2712,7 @@
           <a:p>
             <a:fld id="{2010C000-F47A-4862-94BD-D4C6B79C0935}" type="datetimeFigureOut">
               <a:rPr lang="en-US" smtClean="0"/>
+              <a:t>12/7/2023</a:t>
             </a:fld>
             <a:endParaRPr lang="en-US"/>
           </a:p>
@@ -2750,6 +2754,7 @@
           <a:p>
             <a:fld id="{46BB89DA-8D2B-4901-92A3-18ABD4C70488}" type="slidenum">
               <a:rPr lang="en-US" smtClean="0"/>
+              <a:t>‹N°›</a:t>
             </a:fld>
             <a:endParaRPr lang="en-US"/>
           </a:p>
@@ -2848,7 +2853,6 @@
               <a:rPr lang="en-US"/>
               <a:t>Click to edit Master text styles</a:t>
             </a:r>
-            <a:endParaRPr lang="en-US"/>
           </a:p>
           <a:p>
             <a:pPr lvl="1"/>
@@ -2856,7 +2860,6 @@
               <a:rPr lang="en-US"/>
               <a:t>Second level</a:t>
             </a:r>
-            <a:endParaRPr lang="en-US"/>
           </a:p>
           <a:p>
             <a:pPr lvl="2"/>
@@ -2864,7 +2867,6 @@
               <a:rPr lang="en-US"/>
               <a:t>Third level</a:t>
             </a:r>
-            <a:endParaRPr lang="en-US"/>
           </a:p>
           <a:p>
             <a:pPr lvl="3"/>
@@ -2872,7 +2874,6 @@
               <a:rPr lang="en-US"/>
               <a:t>Fourth level</a:t>
             </a:r>
-            <a:endParaRPr lang="en-US"/>
           </a:p>
           <a:p>
             <a:pPr lvl="4"/>
@@ -2919,6 +2920,7 @@
           <a:p>
             <a:fld id="{2010C000-F47A-4862-94BD-D4C6B79C0935}" type="datetimeFigureOut">
               <a:rPr lang="en-US" smtClean="0"/>
+              <a:t>12/7/2023</a:t>
             </a:fld>
             <a:endParaRPr lang="en-US"/>
           </a:p>
@@ -2996,6 +2998,7 @@
           <a:p>
             <a:fld id="{46BB89DA-8D2B-4901-92A3-18ABD4C70488}" type="slidenum">
               <a:rPr lang="en-US" smtClean="0"/>
+              <a:t>‹N°›</a:t>
             </a:fld>
             <a:endParaRPr lang="en-US"/>
           </a:p>
@@ -3359,7 +3362,7 @@
         </p:nvSpPr>
         <p:spPr>
           <a:xfrm>
-            <a:off x="0" y="4445"/>
+            <a:off x="0" y="-46984"/>
             <a:ext cx="2625725" cy="9912350"/>
           </a:xfrm>
           <a:prstGeom prst="rect">
@@ -3410,7 +3413,7 @@
         </p:nvSpPr>
         <p:spPr>
           <a:xfrm>
-            <a:off x="2697933" y="209970"/>
+            <a:off x="2697933" y="133770"/>
             <a:ext cx="3902044" cy="983615"/>
           </a:xfrm>
           <a:prstGeom prst="rect">
@@ -3456,14 +3459,6 @@
               </a:rPr>
               <a:t>KOUASSI</a:t>
             </a:r>
-            <a:endParaRPr lang="en-US" altLang="en-US" sz="4000" b="1" spc="300" dirty="0">
-              <a:solidFill>
-                <a:schemeClr val="bg1">
-                  <a:lumMod val="75000"/>
-                </a:schemeClr>
-              </a:solidFill>
-              <a:cs typeface="Arial" panose="020B0604020202020204" pitchFamily="34" charset="0"/>
-            </a:endParaRPr>
           </a:p>
         </p:txBody>
       </p:sp>
@@ -3475,7 +3470,7 @@
         </p:nvSpPr>
         <p:spPr>
           <a:xfrm>
-            <a:off x="2697933" y="1102732"/>
+            <a:off x="2697933" y="1057012"/>
             <a:ext cx="3513338" cy="245110"/>
           </a:xfrm>
           <a:prstGeom prst="rect">
@@ -3496,16 +3491,16 @@
                 </a:solidFill>
                 <a:cs typeface="Arial" panose="020B0604020202020204" pitchFamily="34" charset="0"/>
               </a:rPr>
-              <a:t>DEVELOPPEUR WE</a:t>
-            </a:r>
-            <a:r>
-              <a:rPr lang="en-US" altLang="en-US" sz="1000" spc="300" dirty="0">
+              <a:t>DEVELOPPEUR </a:t>
+            </a:r>
+            <a:r>
+              <a:rPr lang="en-US" sz="1000" spc="300" dirty="0" smtClean="0">
                 <a:solidFill>
                   <a:srgbClr val="374976"/>
                 </a:solidFill>
                 <a:cs typeface="Arial" panose="020B0604020202020204" pitchFamily="34" charset="0"/>
               </a:rPr>
-              <a:t>B</a:t>
+              <a:t>WEB</a:t>
             </a:r>
             <a:endParaRPr lang="en-US" altLang="en-US" sz="1000" spc="300" dirty="0">
               <a:solidFill>
@@ -3524,8 +3519,8 @@
         </p:nvSpPr>
         <p:spPr>
           <a:xfrm>
-            <a:off x="2697933" y="1611525"/>
-            <a:ext cx="3974471" cy="1368425"/>
+            <a:off x="2697933" y="1497225"/>
+            <a:ext cx="3974471" cy="1692771"/>
           </a:xfrm>
           <a:prstGeom prst="rect">
             <a:avLst/>
@@ -3544,7 +3539,7 @@
               </a:lnSpc>
             </a:pPr>
             <a:r>
-              <a:rPr lang="en-US" sz="800">
+              <a:rPr lang="fr-FR" sz="800" dirty="0">
                 <a:solidFill>
                   <a:schemeClr val="tx1">
                     <a:lumMod val="75000"/>
@@ -3554,10 +3549,10 @@
                 <a:ea typeface="Open Sans" panose="020B0606030504020204" pitchFamily="34" charset="0"/>
                 <a:cs typeface="Arial" panose="020B0604020202020204" pitchFamily="34" charset="0"/>
               </a:rPr>
-              <a:t>Développeur web, avec </a:t>
-            </a:r>
-            <a:r>
-              <a:rPr lang="fr-FR" altLang="en-US" sz="800">
+              <a:t>Développeur web avec </a:t>
+            </a:r>
+            <a:r>
+              <a:rPr lang="fr-FR" altLang="en-US" sz="800" dirty="0">
                 <a:solidFill>
                   <a:schemeClr val="tx1">
                     <a:lumMod val="75000"/>
@@ -3570,7 +3565,7 @@
               <a:t>deux ans</a:t>
             </a:r>
             <a:r>
-              <a:rPr lang="en-US" sz="800">
+              <a:rPr lang="fr-FR" sz="800" dirty="0">
                 <a:solidFill>
                   <a:schemeClr val="tx1">
                     <a:lumMod val="75000"/>
@@ -3580,10 +3575,10 @@
                 <a:ea typeface="Open Sans" panose="020B0606030504020204" pitchFamily="34" charset="0"/>
                 <a:cs typeface="Arial" panose="020B0604020202020204" pitchFamily="34" charset="0"/>
               </a:rPr>
-              <a:t> d’expérience. Mordu d’informatique, </a:t>
-            </a:r>
-            <a:r>
-              <a:rPr lang="fr-FR" altLang="en-US" sz="800">
+              <a:t> d’expérience, mordu d’informatique, j</a:t>
+            </a:r>
+            <a:r>
+              <a:rPr lang="fr-FR" altLang="en-US" sz="800" dirty="0">
                 <a:solidFill>
                   <a:schemeClr val="tx1">
                     <a:lumMod val="75000"/>
@@ -3593,10 +3588,10 @@
                 <a:ea typeface="Open Sans" panose="020B0606030504020204" pitchFamily="34" charset="0"/>
                 <a:cs typeface="Arial" panose="020B0604020202020204" pitchFamily="34" charset="0"/>
               </a:rPr>
-              <a:t>J’ai appris à coder très tôt</a:t>
-            </a:r>
-            <a:r>
-              <a:rPr lang="en-US" sz="800">
+              <a:t>’ai appris à coder très tôt</a:t>
+            </a:r>
+            <a:r>
+              <a:rPr lang="fr-FR" sz="800" dirty="0">
                 <a:solidFill>
                   <a:schemeClr val="tx1">
                     <a:lumMod val="75000"/>
@@ -3609,7 +3604,7 @@
               <a:t> dans divers langages informatiques (Html, CSS, PHP …). </a:t>
             </a:r>
             <a:r>
-              <a:rPr lang="fr-FR" altLang="en-US" sz="800">
+              <a:rPr lang="fr-FR" altLang="en-US" sz="800" dirty="0">
                 <a:solidFill>
                   <a:schemeClr val="tx1">
                     <a:lumMod val="75000"/>
@@ -3619,10 +3614,113 @@
                 <a:ea typeface="Open Sans" panose="020B0606030504020204" pitchFamily="34" charset="0"/>
                 <a:cs typeface="Arial" panose="020B0604020202020204" pitchFamily="34" charset="0"/>
               </a:rPr>
-              <a:t>J’ai créé plusieurs sites internet qui figurent dans mon portfolio. Titulaire d’un BTS et d’une licence en informatique développement application. Aujourd'hui je suis à la recherche d'un stage de 2 mois du 18/03/2024 au 24/05/2024 qui me permettrait de monter en compétences.</a:t>
-            </a:r>
-            <a:r>
-              <a:rPr lang="en-US" sz="800">
+              <a:t>J’ai créé plusieurs sites internet qui figurent dans mon portfolio. Je suis titulaire d’un BTS et d’une licence en informatique développement application. Aujourd'hui en </a:t>
+            </a:r>
+            <a:r>
+              <a:rPr lang="fr-FR" altLang="en-US" sz="800" dirty="0" smtClean="0">
+                <a:solidFill>
+                  <a:schemeClr val="tx1">
+                    <a:lumMod val="75000"/>
+                    <a:lumOff val="25000"/>
+                  </a:schemeClr>
+                </a:solidFill>
+                <a:ea typeface="Open Sans" panose="020B0606030504020204" pitchFamily="34" charset="0"/>
+                <a:cs typeface="Arial" panose="020B0604020202020204" pitchFamily="34" charset="0"/>
+              </a:rPr>
+              <a:t>formation en </a:t>
+            </a:r>
+            <a:r>
+              <a:rPr lang="fr-FR" altLang="en-US" sz="800" dirty="0">
+                <a:solidFill>
+                  <a:schemeClr val="tx1">
+                    <a:lumMod val="75000"/>
+                    <a:lumOff val="25000"/>
+                  </a:schemeClr>
+                </a:solidFill>
+                <a:ea typeface="Open Sans" panose="020B0606030504020204" pitchFamily="34" charset="0"/>
+                <a:cs typeface="Arial" panose="020B0604020202020204" pitchFamily="34" charset="0"/>
+              </a:rPr>
+              <a:t>Développement </a:t>
+            </a:r>
+            <a:r>
+              <a:rPr lang="fr-FR" altLang="en-US" sz="800" dirty="0" smtClean="0">
+                <a:solidFill>
+                  <a:schemeClr val="tx1">
+                    <a:lumMod val="75000"/>
+                    <a:lumOff val="25000"/>
+                  </a:schemeClr>
+                </a:solidFill>
+                <a:ea typeface="Open Sans" panose="020B0606030504020204" pitchFamily="34" charset="0"/>
+                <a:cs typeface="Arial" panose="020B0604020202020204" pitchFamily="34" charset="0"/>
+              </a:rPr>
+              <a:t>Web et Web mobile option Cyber-Sécurité </a:t>
+            </a:r>
+            <a:r>
+              <a:rPr lang="fr-FR" altLang="en-US" sz="800" dirty="0">
+                <a:solidFill>
+                  <a:schemeClr val="tx1">
+                    <a:lumMod val="75000"/>
+                    <a:lumOff val="25000"/>
+                  </a:schemeClr>
+                </a:solidFill>
+                <a:ea typeface="Open Sans" panose="020B0606030504020204" pitchFamily="34" charset="0"/>
+                <a:cs typeface="Arial" panose="020B0604020202020204" pitchFamily="34" charset="0"/>
+              </a:rPr>
+              <a:t>à </a:t>
+            </a:r>
+            <a:r>
+              <a:rPr lang="fr-FR" altLang="en-US" sz="800" dirty="0" smtClean="0">
+                <a:solidFill>
+                  <a:schemeClr val="tx1">
+                    <a:lumMod val="75000"/>
+                    <a:lumOff val="25000"/>
+                  </a:schemeClr>
+                </a:solidFill>
+                <a:ea typeface="Open Sans" panose="020B0606030504020204" pitchFamily="34" charset="0"/>
+                <a:cs typeface="Arial" panose="020B0604020202020204" pitchFamily="34" charset="0"/>
+              </a:rPr>
+              <a:t>Adrar </a:t>
+            </a:r>
+            <a:r>
+              <a:rPr lang="fr-FR" altLang="en-US" sz="800" dirty="0" smtClean="0">
+                <a:solidFill>
+                  <a:schemeClr val="tx1">
+                    <a:lumMod val="75000"/>
+                    <a:lumOff val="25000"/>
+                  </a:schemeClr>
+                </a:solidFill>
+                <a:cs typeface="Arial" panose="020B0604020202020204" pitchFamily="34" charset="0"/>
+              </a:rPr>
+              <a:t>Pôle Numérique</a:t>
+            </a:r>
+            <a:r>
+              <a:rPr lang="fr-FR" altLang="en-US" sz="800" dirty="0" smtClean="0">
+                <a:solidFill>
+                  <a:schemeClr val="tx1">
+                    <a:lumMod val="75000"/>
+                    <a:lumOff val="25000"/>
+                  </a:schemeClr>
+                </a:solidFill>
+                <a:ea typeface="Open Sans" panose="020B0606030504020204" pitchFamily="34" charset="0"/>
+                <a:cs typeface="Arial" panose="020B0604020202020204" pitchFamily="34" charset="0"/>
+              </a:rPr>
+              <a:t> , </a:t>
+            </a:r>
+            <a:r>
+              <a:rPr lang="fr-FR" altLang="en-US" sz="800" dirty="0">
+                <a:solidFill>
+                  <a:schemeClr val="tx1">
+                    <a:lumMod val="75000"/>
+                    <a:lumOff val="25000"/>
+                  </a:schemeClr>
+                </a:solidFill>
+                <a:ea typeface="Open Sans" panose="020B0606030504020204" pitchFamily="34" charset="0"/>
+                <a:cs typeface="Arial" panose="020B0604020202020204" pitchFamily="34" charset="0"/>
+              </a:rPr>
+              <a:t>je suis à la recherche d'un stage de 2 mois du 18/03/2024 au 24/05/2024 qui me permettrait de monter en compétences.</a:t>
+            </a:r>
+            <a:r>
+              <a:rPr lang="fr-FR" sz="800" dirty="0">
                 <a:solidFill>
                   <a:schemeClr val="tx1">
                     <a:lumMod val="75000"/>
@@ -3634,16 +3732,6 @@
               </a:rPr>
               <a:t> </a:t>
             </a:r>
-            <a:endParaRPr lang="en-US" sz="800">
-              <a:solidFill>
-                <a:schemeClr val="tx1">
-                  <a:lumMod val="75000"/>
-                  <a:lumOff val="25000"/>
-                </a:schemeClr>
-              </a:solidFill>
-              <a:ea typeface="Open Sans" panose="020B0606030504020204" pitchFamily="34" charset="0"/>
-              <a:cs typeface="Arial" panose="020B0604020202020204" pitchFamily="34" charset="0"/>
-            </a:endParaRPr>
           </a:p>
           <a:p>
             <a:pPr algn="just">
@@ -3652,7 +3740,7 @@
               </a:lnSpc>
             </a:pPr>
             <a:r>
-              <a:rPr lang="fr-FR" altLang="en-US" sz="800" b="1">
+              <a:rPr lang="fr-FR" altLang="en-US" sz="800" b="1" dirty="0">
                 <a:solidFill>
                   <a:schemeClr val="tx1">
                     <a:lumMod val="75000"/>
@@ -3662,9 +3750,22 @@
                 <a:ea typeface="Open Sans" panose="020B0606030504020204" pitchFamily="34" charset="0"/>
                 <a:cs typeface="Arial" panose="020B0604020202020204" pitchFamily="34" charset="0"/>
               </a:rPr>
-              <a:t>Pour en savoir plus sur mes compétences je vous invite à scanner le code QR ou de cliquer sur le lien(https://glohndy.github.io/jeanmariekouassi-cv/) pour voir mon CV numérique ainsi que mon portfolio où je presente mes projets déjà conçus.</a:t>
-            </a:r>
-            <a:endParaRPr lang="fr-FR" altLang="en-US" sz="800" b="1">
+              <a:t>Pour en savoir plus, je vous invite à scanner le code QR ou de cliquer sur le lien(https://glohndy.github.io/jeanmariekouassi-cv/) pour voir mon CV numérique ainsi que mon portfolio où je présente mes projets déjà conçus</a:t>
+            </a:r>
+            <a:r>
+              <a:rPr lang="fr-FR" altLang="en-US" sz="800" b="1" dirty="0" smtClean="0">
+                <a:solidFill>
+                  <a:schemeClr val="tx1">
+                    <a:lumMod val="75000"/>
+                    <a:lumOff val="25000"/>
+                  </a:schemeClr>
+                </a:solidFill>
+                <a:ea typeface="Open Sans" panose="020B0606030504020204" pitchFamily="34" charset="0"/>
+                <a:cs typeface="Arial" panose="020B0604020202020204" pitchFamily="34" charset="0"/>
+              </a:rPr>
+              <a:t>.</a:t>
+            </a:r>
+            <a:endParaRPr lang="fr-FR" altLang="en-US" sz="800" b="1" dirty="0">
               <a:solidFill>
                 <a:schemeClr val="tx1">
                   <a:lumMod val="75000"/>
@@ -3685,7 +3786,7 @@
         </p:nvSpPr>
         <p:spPr>
           <a:xfrm>
-            <a:off x="2757667" y="1370240"/>
+            <a:off x="2757667" y="1286420"/>
             <a:ext cx="1474830" cy="246221"/>
           </a:xfrm>
           <a:prstGeom prst="rect">
@@ -3708,12 +3809,6 @@
               </a:rPr>
               <a:t>A PROPOS DE MOI</a:t>
             </a:r>
-            <a:endParaRPr lang="en-US" sz="1000" dirty="0">
-              <a:solidFill>
-                <a:srgbClr val="374976"/>
-              </a:solidFill>
-              <a:cs typeface="Arial" panose="020B0604020202020204" pitchFamily="34" charset="0"/>
-            </a:endParaRPr>
           </a:p>
         </p:txBody>
       </p:sp>
@@ -3725,7 +3820,7 @@
         </p:nvSpPr>
         <p:spPr>
           <a:xfrm>
-            <a:off x="2792994" y="1379996"/>
+            <a:off x="2792994" y="1280936"/>
             <a:ext cx="1275732" cy="246953"/>
           </a:xfrm>
           <a:prstGeom prst="rect">
@@ -3773,7 +3868,7 @@
         </p:nvCxnSpPr>
         <p:spPr>
           <a:xfrm flipV="1">
-            <a:off x="4068726" y="1496757"/>
+            <a:off x="4068726" y="1412937"/>
             <a:ext cx="2522061" cy="366"/>
           </a:xfrm>
           <a:prstGeom prst="line">
@@ -3854,12 +3949,6 @@
                 </a:rPr>
                 <a:t>S</a:t>
               </a:r>
-              <a:endParaRPr lang="en-US" altLang="en-US" sz="1000" dirty="0">
-                <a:solidFill>
-                  <a:srgbClr val="374976"/>
-                </a:solidFill>
-                <a:cs typeface="Arial" panose="020B0604020202020204" pitchFamily="34" charset="0"/>
-              </a:endParaRPr>
             </a:p>
           </p:txBody>
         </p:sp>
@@ -4038,12 +4127,6 @@
                 </a:rPr>
                 <a:t>S</a:t>
               </a:r>
-              <a:endParaRPr lang="en-US" altLang="en-US" sz="1000" dirty="0">
-                <a:solidFill>
-                  <a:srgbClr val="374976"/>
-                </a:solidFill>
-                <a:cs typeface="Arial" panose="020B0604020202020204" pitchFamily="34" charset="0"/>
-              </a:endParaRPr>
             </a:p>
           </p:txBody>
         </p:sp>
@@ -4231,12 +4314,6 @@
                 </a:rPr>
                 <a:t>|</a:t>
               </a:r>
-              <a:endParaRPr lang="en-US" sz="800" dirty="0">
-                <a:solidFill>
-                  <a:srgbClr val="374976"/>
-                </a:solidFill>
-                <a:cs typeface="Arial" panose="020B0604020202020204" pitchFamily="34" charset="0"/>
-              </a:endParaRPr>
             </a:p>
             <a:p>
               <a:r>
@@ -4309,15 +4386,6 @@
                 </a:rPr>
                 <a:t>Jun.2018 - Apr.2019</a:t>
               </a:r>
-              <a:endParaRPr lang="en-US" sz="700" b="1" dirty="0">
-                <a:solidFill>
-                  <a:schemeClr val="tx1">
-                    <a:lumMod val="75000"/>
-                    <a:lumOff val="25000"/>
-                  </a:schemeClr>
-                </a:solidFill>
-                <a:cs typeface="Arial" panose="020B0604020202020204" pitchFamily="34" charset="0"/>
-              </a:endParaRPr>
             </a:p>
           </p:txBody>
         </p:sp>
@@ -4484,12 +4552,6 @@
                 </a:rPr>
                 <a:t>Jun.2018 - Apr.2019</a:t>
               </a:r>
-              <a:endParaRPr lang="en-US" altLang="en-US" sz="700" dirty="0">
-                <a:solidFill>
-                  <a:schemeClr val="bg1"/>
-                </a:solidFill>
-                <a:cs typeface="Arial" panose="020B0604020202020204" pitchFamily="34" charset="0"/>
-              </a:endParaRPr>
             </a:p>
           </p:txBody>
         </p:sp>
@@ -4562,19 +4624,6 @@
                 </a:rPr>
                 <a:t>APPLICATION</a:t>
               </a:r>
-              <a:endParaRPr lang="en-US" altLang="en-US" sz="700" b="1" dirty="0">
-                <a:solidFill>
-                  <a:schemeClr val="tx1"/>
-                </a:solidFill>
-                <a:effectLst>
-                  <a:outerShdw blurRad="38100" dist="19050" dir="2700000" algn="tl" rotWithShape="0">
-                    <a:schemeClr val="dk1">
-                      <a:alpha val="40000"/>
-                    </a:schemeClr>
-                  </a:outerShdw>
-                </a:effectLst>
-                <a:cs typeface="Arial" panose="020B0604020202020204" pitchFamily="34" charset="0"/>
-              </a:endParaRPr>
             </a:p>
           </p:txBody>
         </p:sp>
@@ -4643,16 +4692,6 @@
                 </a:rPr>
                 <a:t>(Une solution unique pour gérer l’ensemble des processus budgétaires et de suivi des dépenses).</a:t>
               </a:r>
-              <a:endParaRPr lang="en-US" sz="800">
-                <a:solidFill>
-                  <a:schemeClr val="tx1">
-                    <a:lumMod val="75000"/>
-                    <a:lumOff val="25000"/>
-                  </a:schemeClr>
-                </a:solidFill>
-                <a:ea typeface="Open Sans" panose="020B0606030504020204" pitchFamily="34" charset="0"/>
-                <a:cs typeface="Arial" panose="020B0604020202020204" pitchFamily="34" charset="0"/>
-              </a:endParaRPr>
             </a:p>
             <a:p>
               <a:pPr marL="171450" indent="-171450" algn="just">
@@ -4672,16 +4711,6 @@
                 </a:rPr>
                 <a:t>Installation et intervention sur le PHEB chez les utilisateurs à la RTI.</a:t>
               </a:r>
-              <a:endParaRPr lang="en-US" sz="800">
-                <a:solidFill>
-                  <a:schemeClr val="tx1">
-                    <a:lumMod val="75000"/>
-                    <a:lumOff val="25000"/>
-                  </a:schemeClr>
-                </a:solidFill>
-                <a:ea typeface="Open Sans" panose="020B0606030504020204" pitchFamily="34" charset="0"/>
-                <a:cs typeface="Arial" panose="020B0604020202020204" pitchFamily="34" charset="0"/>
-              </a:endParaRPr>
             </a:p>
             <a:p>
               <a:pPr indent="0" algn="just">
@@ -4746,16 +4775,6 @@
                 </a:rPr>
                 <a:t> (Une application qui permet de gérer les missions et voyages de la RTI).</a:t>
               </a:r>
-              <a:endParaRPr lang="en-US" sz="800">
-                <a:solidFill>
-                  <a:schemeClr val="tx1">
-                    <a:lumMod val="75000"/>
-                    <a:lumOff val="25000"/>
-                  </a:schemeClr>
-                </a:solidFill>
-                <a:ea typeface="Open Sans" panose="020B0606030504020204" pitchFamily="34" charset="0"/>
-                <a:cs typeface="Arial" panose="020B0604020202020204" pitchFamily="34" charset="0"/>
-              </a:endParaRPr>
             </a:p>
             <a:p>
               <a:pPr marL="171450" indent="-171450" algn="just">
@@ -4775,16 +4794,6 @@
                 </a:rPr>
                 <a:t>Installation et intervention de mission et voyage chez les utilisateurs à la RTI.</a:t>
               </a:r>
-              <a:endParaRPr lang="en-US" sz="800">
-                <a:solidFill>
-                  <a:schemeClr val="tx1">
-                    <a:lumMod val="75000"/>
-                    <a:lumOff val="25000"/>
-                  </a:schemeClr>
-                </a:solidFill>
-                <a:ea typeface="Open Sans" panose="020B0606030504020204" pitchFamily="34" charset="0"/>
-                <a:cs typeface="Arial" panose="020B0604020202020204" pitchFamily="34" charset="0"/>
-              </a:endParaRPr>
             </a:p>
             <a:p>
               <a:pPr indent="0" algn="just">
@@ -4875,16 +4884,6 @@
                 </a:rPr>
                 <a:t> déploie pour la RTI).</a:t>
               </a:r>
-              <a:endParaRPr lang="en-US" sz="800">
-                <a:solidFill>
-                  <a:schemeClr val="tx1">
-                    <a:lumMod val="75000"/>
-                    <a:lumOff val="25000"/>
-                  </a:schemeClr>
-                </a:solidFill>
-                <a:ea typeface="Open Sans" panose="020B0606030504020204" pitchFamily="34" charset="0"/>
-                <a:cs typeface="Arial" panose="020B0604020202020204" pitchFamily="34" charset="0"/>
-              </a:endParaRPr>
             </a:p>
             <a:p>
               <a:pPr marL="171450" indent="-171450" algn="just">
@@ -4904,16 +4903,6 @@
                 </a:rPr>
                 <a:t>Création de formulaire RTI SONDAGE.</a:t>
               </a:r>
-              <a:endParaRPr lang="en-US" sz="800">
-                <a:solidFill>
-                  <a:schemeClr val="tx1">
-                    <a:lumMod val="75000"/>
-                    <a:lumOff val="25000"/>
-                  </a:schemeClr>
-                </a:solidFill>
-                <a:ea typeface="Open Sans" panose="020B0606030504020204" pitchFamily="34" charset="0"/>
-                <a:cs typeface="Arial" panose="020B0604020202020204" pitchFamily="34" charset="0"/>
-              </a:endParaRPr>
             </a:p>
           </p:txBody>
         </p:sp>
@@ -4964,12 +4953,6 @@
                 </a:rPr>
                 <a:t>Graduate School of Management(GSM) | Abidjan Ivory Coast</a:t>
               </a:r>
-              <a:endParaRPr lang="en-US" sz="800" dirty="0">
-                <a:solidFill>
-                  <a:srgbClr val="374976"/>
-                </a:solidFill>
-                <a:cs typeface="Arial" panose="020B0604020202020204" pitchFamily="34" charset="0"/>
-              </a:endParaRPr>
             </a:p>
           </p:txBody>
         </p:sp>
@@ -5031,15 +5014,6 @@
                 </a:rPr>
                 <a:t> D’APPLICATION</a:t>
               </a:r>
-              <a:endParaRPr lang="en-US" sz="600" b="1">
-                <a:solidFill>
-                  <a:schemeClr val="tx1">
-                    <a:lumMod val="75000"/>
-                    <a:lumOff val="25000"/>
-                  </a:schemeClr>
-                </a:solidFill>
-                <a:cs typeface="Arial" panose="020B0604020202020204" pitchFamily="34" charset="0"/>
-              </a:endParaRPr>
             </a:p>
           </p:txBody>
         </p:sp>
@@ -5118,16 +5092,6 @@
                 </a:rPr>
                 <a:t> </a:t>
               </a:r>
-              <a:endParaRPr lang="en-US" sz="700" dirty="0">
-                <a:solidFill>
-                  <a:schemeClr val="tx1">
-                    <a:lumMod val="75000"/>
-                    <a:lumOff val="25000"/>
-                  </a:schemeClr>
-                </a:solidFill>
-                <a:ea typeface="Open Sans" panose="020B0606030504020204" pitchFamily="34" charset="0"/>
-                <a:cs typeface="Arial" panose="020B0604020202020204" pitchFamily="34" charset="0"/>
-              </a:endParaRPr>
             </a:p>
           </p:txBody>
         </p:sp>
@@ -5140,7 +5104,7 @@
         </p:nvGrpSpPr>
         <p:grpSpPr>
           <a:xfrm>
-            <a:off x="2611755" y="8983980"/>
+            <a:off x="2611755" y="8926824"/>
             <a:ext cx="4226560" cy="256540"/>
             <a:chOff x="2744166" y="2757882"/>
             <a:chExt cx="2591035" cy="256540"/>
@@ -5178,12 +5142,6 @@
                 </a:rPr>
                 <a:t>CERTIFICATIONS</a:t>
               </a:r>
-              <a:endParaRPr lang="en-US" altLang="en-US" sz="1000" dirty="0">
-                <a:solidFill>
-                  <a:srgbClr val="374976"/>
-                </a:solidFill>
-                <a:cs typeface="Arial" panose="020B0604020202020204" pitchFamily="34" charset="0"/>
-              </a:endParaRPr>
             </a:p>
           </p:txBody>
         </p:sp>
@@ -5282,7 +5240,7 @@
         </p:nvSpPr>
         <p:spPr>
           <a:xfrm>
-            <a:off x="2632075" y="9341485"/>
+            <a:off x="2632075" y="9279568"/>
             <a:ext cx="4226560" cy="575945"/>
           </a:xfrm>
           <a:prstGeom prst="rect">
@@ -5332,7 +5290,7 @@
               <a:buChar char="•"/>
             </a:pPr>
             <a:r>
-              <a:rPr lang="en-US" sz="700">
+              <a:rPr lang="en-US" sz="700" dirty="0">
                 <a:solidFill>
                   <a:schemeClr val="tx1">
                     <a:lumMod val="75000"/>
@@ -5342,10 +5300,62 @@
                 <a:ea typeface="Roboto Slab" pitchFamily="2" charset="0"/>
                 <a:cs typeface="Arial" panose="020B0604020202020204" pitchFamily="34" charset="0"/>
               </a:rPr>
-              <a:t>CERTIFICAT EN DEVELOPPEMENT WEB Sur UDEMY(Site de formation en ligne) </a:t>
-            </a:r>
-            <a:r>
-              <a:rPr lang="en-US" altLang="en-US" sz="700">
+              <a:t>CERTIFICAT EN DEVELOPPEMENT WEB Sur UDEMY(Site de formation </a:t>
+            </a:r>
+            <a:r>
+              <a:rPr lang="en-US" sz="700" dirty="0" err="1">
+                <a:solidFill>
+                  <a:schemeClr val="tx1">
+                    <a:lumMod val="75000"/>
+                    <a:lumOff val="25000"/>
+                  </a:schemeClr>
+                </a:solidFill>
+                <a:ea typeface="Roboto Slab" pitchFamily="2" charset="0"/>
+                <a:cs typeface="Arial" panose="020B0604020202020204" pitchFamily="34" charset="0"/>
+              </a:rPr>
+              <a:t>en</a:t>
+            </a:r>
+            <a:r>
+              <a:rPr lang="en-US" sz="700" dirty="0">
+                <a:solidFill>
+                  <a:schemeClr val="tx1">
+                    <a:lumMod val="75000"/>
+                    <a:lumOff val="25000"/>
+                  </a:schemeClr>
+                </a:solidFill>
+                <a:ea typeface="Roboto Slab" pitchFamily="2" charset="0"/>
+                <a:cs typeface="Arial" panose="020B0604020202020204" pitchFamily="34" charset="0"/>
+              </a:rPr>
+              <a:t> </a:t>
+            </a:r>
+            <a:r>
+              <a:rPr lang="en-US" sz="700" dirty="0" err="1">
+                <a:solidFill>
+                  <a:schemeClr val="tx1">
+                    <a:lumMod val="75000"/>
+                    <a:lumOff val="25000"/>
+                  </a:schemeClr>
+                </a:solidFill>
+                <a:ea typeface="Roboto Slab" pitchFamily="2" charset="0"/>
+                <a:cs typeface="Arial" panose="020B0604020202020204" pitchFamily="34" charset="0"/>
+              </a:rPr>
+              <a:t>ligne</a:t>
+            </a:r>
+            <a:r>
+              <a:rPr lang="en-US" sz="700" dirty="0">
+                <a:solidFill>
+                  <a:schemeClr val="tx1">
+                    <a:lumMod val="75000"/>
+                    <a:lumOff val="25000"/>
+                  </a:schemeClr>
+                </a:solidFill>
+                <a:ea typeface="Roboto Slab" pitchFamily="2" charset="0"/>
+                <a:cs typeface="Arial" panose="020B0604020202020204" pitchFamily="34" charset="0"/>
+              </a:rPr>
+              <a:t>) </a:t>
+            </a:r>
+            <a:r>
+              <a:rPr lang="en-US" altLang="en-US" sz="700" dirty="0">
                 <a:solidFill>
                   <a:schemeClr val="tx1">
                     <a:lumMod val="75000"/>
@@ -5358,7 +5368,7 @@
               <a:t>Jan.</a:t>
             </a:r>
             <a:r>
-              <a:rPr lang="en-US" sz="700">
+              <a:rPr lang="en-US" sz="700" dirty="0">
                 <a:solidFill>
                   <a:schemeClr val="tx1">
                     <a:lumMod val="75000"/>
@@ -5371,7 +5381,7 @@
               <a:t>2021 - </a:t>
             </a:r>
             <a:r>
-              <a:rPr lang="en-US" altLang="en-US" sz="700">
+              <a:rPr lang="en-US" altLang="en-US" sz="700" dirty="0">
                 <a:solidFill>
                   <a:schemeClr val="tx1">
                     <a:lumMod val="75000"/>
@@ -5384,7 +5394,7 @@
               <a:t>Jun.</a:t>
             </a:r>
             <a:r>
-              <a:rPr lang="en-US" sz="700">
+              <a:rPr lang="en-US" sz="700" dirty="0">
                 <a:solidFill>
                   <a:schemeClr val="tx1">
                     <a:lumMod val="75000"/>
@@ -5396,16 +5406,6 @@
               </a:rPr>
               <a:t>2021</a:t>
             </a:r>
-            <a:endParaRPr lang="en-US" sz="700">
-              <a:solidFill>
-                <a:schemeClr val="tx1">
-                  <a:lumMod val="75000"/>
-                  <a:lumOff val="25000"/>
-                </a:schemeClr>
-              </a:solidFill>
-              <a:ea typeface="Roboto Slab" pitchFamily="2" charset="0"/>
-              <a:cs typeface="Arial" panose="020B0604020202020204" pitchFamily="34" charset="0"/>
-            </a:endParaRPr>
           </a:p>
           <a:p>
             <a:pPr marL="171450" indent="-171450">
@@ -5416,7 +5416,7 @@
               <a:buChar char="•"/>
             </a:pPr>
             <a:r>
-              <a:rPr lang="en-US" sz="700">
+              <a:rPr lang="en-US" sz="700" dirty="0">
                 <a:solidFill>
                   <a:schemeClr val="tx1">
                     <a:lumMod val="75000"/>
@@ -5429,7 +5429,7 @@
               <a:t>CERTIFICAT EN HACKER ÉTHIQUE </a:t>
             </a:r>
             <a:r>
-              <a:rPr lang="en-US" altLang="en-US" sz="700">
+              <a:rPr lang="en-US" altLang="en-US" sz="700" dirty="0">
                 <a:solidFill>
                   <a:schemeClr val="tx1">
                     <a:lumMod val="75000"/>
@@ -5442,7 +5442,7 @@
               <a:t> </a:t>
             </a:r>
             <a:r>
-              <a:rPr lang="en-US" sz="700">
+              <a:rPr lang="en-US" sz="700" dirty="0">
                 <a:solidFill>
                   <a:schemeClr val="tx1">
                     <a:lumMod val="75000"/>
@@ -5455,7 +5455,7 @@
               <a:t> </a:t>
             </a:r>
             <a:r>
-              <a:rPr lang="en-US" altLang="en-US" sz="700">
+              <a:rPr lang="en-US" altLang="en-US" sz="700" dirty="0">
                 <a:solidFill>
                   <a:schemeClr val="tx1">
                     <a:lumMod val="75000"/>
@@ -5468,7 +5468,7 @@
               <a:t>Jan.2020</a:t>
             </a:r>
             <a:r>
-              <a:rPr lang="en-US" sz="700">
+              <a:rPr lang="en-US" sz="700" dirty="0">
                 <a:solidFill>
                   <a:schemeClr val="tx1">
                     <a:lumMod val="75000"/>
@@ -5481,7 +5481,7 @@
               <a:t> - </a:t>
             </a:r>
             <a:r>
-              <a:rPr lang="en-US" altLang="en-US" sz="700">
+              <a:rPr lang="en-US" altLang="en-US" sz="700" dirty="0">
                 <a:solidFill>
                   <a:schemeClr val="tx1">
                     <a:lumMod val="75000"/>
@@ -5493,7 +5493,7 @@
               </a:rPr>
               <a:t>DEC.2020</a:t>
             </a:r>
-            <a:endParaRPr lang="en-US" sz="700">
+            <a:endParaRPr lang="en-US" sz="700" dirty="0">
               <a:solidFill>
                 <a:schemeClr val="tx1">
                   <a:lumMod val="75000"/>
@@ -5513,7 +5513,7 @@
               <a:buChar char="•"/>
             </a:pPr>
             <a:r>
-              <a:rPr lang="en-US" sz="700">
+              <a:rPr lang="en-US" sz="700" dirty="0">
                 <a:solidFill>
                   <a:schemeClr val="tx1">
                     <a:lumMod val="75000"/>
@@ -5526,7 +5526,7 @@
               <a:t>CERTIFICAT INTENSIVE ENGLISH TRAINING</a:t>
             </a:r>
             <a:r>
-              <a:rPr lang="en-US" altLang="en-US" sz="700">
+              <a:rPr lang="en-US" altLang="en-US" sz="700" dirty="0">
                 <a:solidFill>
                   <a:schemeClr val="tx1">
                     <a:lumMod val="75000"/>
@@ -5539,7 +5539,7 @@
               <a:t>   DEC</a:t>
             </a:r>
             <a:r>
-              <a:rPr lang="en-US" sz="700">
+              <a:rPr lang="en-US" sz="700" dirty="0">
                 <a:solidFill>
                   <a:schemeClr val="tx1">
                     <a:lumMod val="75000"/>
@@ -5551,16 +5551,6 @@
               </a:rPr>
               <a:t> 2015</a:t>
             </a:r>
-            <a:endParaRPr lang="en-US" sz="700">
-              <a:solidFill>
-                <a:schemeClr val="tx1">
-                  <a:lumMod val="75000"/>
-                  <a:lumOff val="25000"/>
-                </a:schemeClr>
-              </a:solidFill>
-              <a:ea typeface="Roboto Slab" pitchFamily="2" charset="0"/>
-              <a:cs typeface="Arial" panose="020B0604020202020204" pitchFamily="34" charset="0"/>
-            </a:endParaRPr>
           </a:p>
         </p:txBody>
       </p:sp>
@@ -5609,12 +5599,6 @@
                 </a:rPr>
                 <a:t>CONTACT</a:t>
               </a:r>
-              <a:endParaRPr lang="en-US" sz="1000" dirty="0">
-                <a:solidFill>
-                  <a:schemeClr val="bg1"/>
-                </a:solidFill>
-                <a:cs typeface="Arial" panose="020B0604020202020204" pitchFamily="34" charset="0"/>
-              </a:endParaRPr>
             </a:p>
           </p:txBody>
         </p:sp>
@@ -5859,13 +5843,6 @@
                 </a:rPr>
                 <a:t>7 52 75 45 79</a:t>
               </a:r>
-              <a:endParaRPr lang="fr-FR" altLang="en-US" sz="800" dirty="0">
-                <a:solidFill>
-                  <a:schemeClr val="bg1"/>
-                </a:solidFill>
-                <a:ea typeface="Open Sans" panose="020B0606030504020204" pitchFamily="34" charset="0"/>
-                <a:cs typeface="Arial" panose="020B0604020202020204" pitchFamily="34" charset="0"/>
-              </a:endParaRPr>
             </a:p>
           </p:txBody>
         </p:sp>
@@ -6748,14 +6725,6 @@
                 </a:rPr>
                 <a:t> Apt 312</a:t>
               </a:r>
-              <a:endParaRPr lang="fr-FR" altLang="en-US" sz="800" dirty="0">
-                <a:solidFill>
-                  <a:schemeClr val="bg1"/>
-                </a:solidFill>
-                <a:ea typeface="Open Sans" panose="020B0606030504020204" pitchFamily="34" charset="0"/>
-                <a:cs typeface="Arial" panose="020B0604020202020204" pitchFamily="34" charset="0"/>
-                <a:sym typeface="+mn-ea"/>
-              </a:endParaRPr>
             </a:p>
             <a:p>
               <a:pPr>
@@ -6787,13 +6756,6 @@
                 </a:rPr>
                 <a:t>Permis: AM/A1/A2/B1/B</a:t>
               </a:r>
-              <a:endParaRPr lang="fr-FR" altLang="en-US" sz="800" dirty="0">
-                <a:solidFill>
-                  <a:schemeClr val="bg1"/>
-                </a:solidFill>
-                <a:ea typeface="Open Sans" panose="020B0606030504020204" pitchFamily="34" charset="0"/>
-                <a:cs typeface="Arial" panose="020B0604020202020204" pitchFamily="34" charset="0"/>
-              </a:endParaRPr>
             </a:p>
           </p:txBody>
         </p:sp>
@@ -7463,639 +7425,13 @@
       </p:grpSp>
       <p:grpSp>
         <p:nvGrpSpPr>
-          <p:cNvPr id="141" name="Group 140"/>
-          <p:cNvGrpSpPr/>
-          <p:nvPr/>
-        </p:nvGrpSpPr>
-        <p:grpSpPr>
-          <a:xfrm>
-            <a:off x="235686" y="3609200"/>
-            <a:ext cx="2265695" cy="250062"/>
-            <a:chOff x="2757667" y="2757882"/>
-            <a:chExt cx="2265695" cy="250062"/>
-          </a:xfrm>
-        </p:grpSpPr>
-        <p:sp>
-          <p:nvSpPr>
-            <p:cNvPr id="142" name="TextBox 141"/>
-            <p:cNvSpPr txBox="1"/>
-            <p:nvPr/>
-          </p:nvSpPr>
-          <p:spPr>
-            <a:xfrm>
-              <a:off x="2757667" y="2762834"/>
-              <a:ext cx="1241765" cy="245110"/>
-            </a:xfrm>
-            <a:prstGeom prst="rect">
-              <a:avLst/>
-            </a:prstGeom>
-            <a:noFill/>
-          </p:spPr>
-          <p:txBody>
-            <a:bodyPr wrap="square" rtlCol="0">
-              <a:spAutoFit/>
-            </a:bodyPr>
-            <a:lstStyle/>
-            <a:p>
-              <a:r>
-                <a:rPr lang="en-US" sz="1000" dirty="0">
-                  <a:solidFill>
-                    <a:schemeClr val="bg1"/>
-                  </a:solidFill>
-                  <a:cs typeface="Arial" panose="020B0604020202020204" pitchFamily="34" charset="0"/>
-                </a:rPr>
-                <a:t>LANGA</a:t>
-              </a:r>
-              <a:r>
-                <a:rPr lang="en-US" altLang="en-US" sz="1000" dirty="0">
-                  <a:solidFill>
-                    <a:schemeClr val="bg1"/>
-                  </a:solidFill>
-                  <a:cs typeface="Arial" panose="020B0604020202020204" pitchFamily="34" charset="0"/>
-                </a:rPr>
-                <a:t>G</a:t>
-              </a:r>
-              <a:r>
-                <a:rPr lang="en-US" sz="1000" dirty="0">
-                  <a:solidFill>
-                    <a:schemeClr val="bg1"/>
-                  </a:solidFill>
-                  <a:cs typeface="Arial" panose="020B0604020202020204" pitchFamily="34" charset="0"/>
-                </a:rPr>
-                <a:t>ES INFO</a:t>
-              </a:r>
-              <a:endParaRPr lang="en-US" sz="1000" dirty="0">
-                <a:solidFill>
-                  <a:schemeClr val="bg1"/>
-                </a:solidFill>
-                <a:cs typeface="Arial" panose="020B0604020202020204" pitchFamily="34" charset="0"/>
-              </a:endParaRPr>
-            </a:p>
-          </p:txBody>
-        </p:sp>
-        <p:sp>
-          <p:nvSpPr>
-            <p:cNvPr id="143" name="Rectangle 142"/>
-            <p:cNvSpPr/>
-            <p:nvPr/>
-          </p:nvSpPr>
-          <p:spPr>
-            <a:xfrm>
-              <a:off x="2792994" y="2757882"/>
-              <a:ext cx="1086372" cy="246221"/>
-            </a:xfrm>
-            <a:prstGeom prst="rect">
-              <a:avLst/>
-            </a:prstGeom>
-            <a:noFill/>
-            <a:ln w="6350">
-              <a:solidFill>
-                <a:schemeClr val="bg1"/>
-              </a:solidFill>
-            </a:ln>
-          </p:spPr>
-          <p:style>
-            <a:lnRef idx="2">
-              <a:schemeClr val="accent1">
-                <a:shade val="50000"/>
-              </a:schemeClr>
-            </a:lnRef>
-            <a:fillRef idx="1">
-              <a:schemeClr val="accent1"/>
-            </a:fillRef>
-            <a:effectRef idx="0">
-              <a:schemeClr val="accent1"/>
-            </a:effectRef>
-            <a:fontRef idx="minor">
-              <a:schemeClr val="lt1"/>
-            </a:fontRef>
-          </p:style>
-          <p:txBody>
-            <a:bodyPr rtlCol="0" anchor="ctr"/>
-            <a:lstStyle/>
-            <a:p>
-              <a:pPr algn="ctr"/>
-              <a:endParaRPr lang="en-US" dirty="0">
-                <a:cs typeface="Arial" panose="020B0604020202020204" pitchFamily="34" charset="0"/>
-              </a:endParaRPr>
-            </a:p>
-          </p:txBody>
-        </p:sp>
-        <p:cxnSp>
-          <p:nvCxnSpPr>
-            <p:cNvPr id="144" name="Straight Connector 143"/>
-            <p:cNvCxnSpPr>
-              <a:stCxn id="143" idx="3"/>
-            </p:cNvCxnSpPr>
-            <p:nvPr/>
-          </p:nvCxnSpPr>
-          <p:spPr>
-            <a:xfrm>
-              <a:off x="3879366" y="2880993"/>
-              <a:ext cx="1143996" cy="0"/>
-            </a:xfrm>
-            <a:prstGeom prst="line">
-              <a:avLst/>
-            </a:prstGeom>
-            <a:ln w="6350">
-              <a:solidFill>
-                <a:schemeClr val="bg1"/>
-              </a:solidFill>
-            </a:ln>
-          </p:spPr>
-          <p:style>
-            <a:lnRef idx="1">
-              <a:schemeClr val="accent1"/>
-            </a:lnRef>
-            <a:fillRef idx="0">
-              <a:schemeClr val="accent1"/>
-            </a:fillRef>
-            <a:effectRef idx="0">
-              <a:schemeClr val="accent1"/>
-            </a:effectRef>
-            <a:fontRef idx="minor">
-              <a:schemeClr val="tx1"/>
-            </a:fontRef>
-          </p:style>
-        </p:cxnSp>
-      </p:grpSp>
-      <p:sp>
-        <p:nvSpPr>
-          <p:cNvPr id="145" name="TextBox 144"/>
-          <p:cNvSpPr txBox="1"/>
-          <p:nvPr/>
-        </p:nvSpPr>
-        <p:spPr>
-          <a:xfrm>
-            <a:off x="171549" y="3949931"/>
-            <a:ext cx="1185836" cy="215444"/>
-          </a:xfrm>
-          <a:prstGeom prst="rect">
-            <a:avLst/>
-          </a:prstGeom>
-          <a:noFill/>
-        </p:spPr>
-        <p:txBody>
-          <a:bodyPr wrap="square" rtlCol="0">
-            <a:spAutoFit/>
-          </a:bodyPr>
-          <a:lstStyle/>
-          <a:p>
-            <a:pPr algn="just"/>
-            <a:r>
-              <a:rPr lang="en-US" sz="800" dirty="0">
-                <a:solidFill>
-                  <a:schemeClr val="bg1"/>
-                </a:solidFill>
-                <a:ea typeface="Roboto Slab" pitchFamily="2" charset="0"/>
-                <a:cs typeface="Arial" panose="020B0604020202020204" pitchFamily="34" charset="0"/>
-              </a:rPr>
-              <a:t>HTML / CSS 5.0</a:t>
-            </a:r>
-            <a:endParaRPr lang="en-US" sz="800" dirty="0">
-              <a:solidFill>
-                <a:schemeClr val="bg1"/>
-              </a:solidFill>
-              <a:ea typeface="Roboto Slab" pitchFamily="2" charset="0"/>
-              <a:cs typeface="Arial" panose="020B0604020202020204" pitchFamily="34" charset="0"/>
-            </a:endParaRPr>
-          </a:p>
-        </p:txBody>
-      </p:sp>
-      <p:sp>
-        <p:nvSpPr>
-          <p:cNvPr id="146" name="TextBox 145"/>
-          <p:cNvSpPr txBox="1"/>
-          <p:nvPr/>
-        </p:nvSpPr>
-        <p:spPr>
-          <a:xfrm>
-            <a:off x="171549" y="4146659"/>
-            <a:ext cx="1185836" cy="215444"/>
-          </a:xfrm>
-          <a:prstGeom prst="rect">
-            <a:avLst/>
-          </a:prstGeom>
-          <a:noFill/>
-        </p:spPr>
-        <p:txBody>
-          <a:bodyPr wrap="square" rtlCol="0">
-            <a:spAutoFit/>
-          </a:bodyPr>
-          <a:lstStyle/>
-          <a:p>
-            <a:pPr algn="just"/>
-            <a:r>
-              <a:rPr lang="en-US" sz="800" dirty="0">
-                <a:solidFill>
-                  <a:schemeClr val="bg1"/>
-                </a:solidFill>
-                <a:ea typeface="Roboto Slab" pitchFamily="2" charset="0"/>
-                <a:cs typeface="Arial" panose="020B0604020202020204" pitchFamily="34" charset="0"/>
-              </a:rPr>
-              <a:t>PHP / MYSQL</a:t>
-            </a:r>
-            <a:endParaRPr lang="en-US" sz="800" dirty="0">
-              <a:solidFill>
-                <a:schemeClr val="bg1"/>
-              </a:solidFill>
-              <a:ea typeface="Roboto Slab" pitchFamily="2" charset="0"/>
-              <a:cs typeface="Arial" panose="020B0604020202020204" pitchFamily="34" charset="0"/>
-            </a:endParaRPr>
-          </a:p>
-        </p:txBody>
-      </p:sp>
-      <p:sp>
-        <p:nvSpPr>
-          <p:cNvPr id="147" name="TextBox 146"/>
-          <p:cNvSpPr txBox="1"/>
-          <p:nvPr/>
-        </p:nvSpPr>
-        <p:spPr>
-          <a:xfrm>
-            <a:off x="171549" y="4338942"/>
-            <a:ext cx="1185836" cy="215444"/>
-          </a:xfrm>
-          <a:prstGeom prst="rect">
-            <a:avLst/>
-          </a:prstGeom>
-          <a:noFill/>
-        </p:spPr>
-        <p:txBody>
-          <a:bodyPr wrap="square" rtlCol="0">
-            <a:spAutoFit/>
-          </a:bodyPr>
-          <a:lstStyle/>
-          <a:p>
-            <a:pPr algn="just"/>
-            <a:r>
-              <a:rPr lang="en-US" sz="800" dirty="0">
-                <a:solidFill>
-                  <a:schemeClr val="bg1"/>
-                </a:solidFill>
-                <a:ea typeface="Roboto Slab" pitchFamily="2" charset="0"/>
-                <a:cs typeface="Arial" panose="020B0604020202020204" pitchFamily="34" charset="0"/>
-              </a:rPr>
-              <a:t>JS. (Node)</a:t>
-            </a:r>
-            <a:endParaRPr lang="en-US" sz="800" dirty="0">
-              <a:solidFill>
-                <a:schemeClr val="bg1"/>
-              </a:solidFill>
-              <a:ea typeface="Roboto Slab" pitchFamily="2" charset="0"/>
-              <a:cs typeface="Arial" panose="020B0604020202020204" pitchFamily="34" charset="0"/>
-            </a:endParaRPr>
-          </a:p>
-        </p:txBody>
-      </p:sp>
-      <p:grpSp>
-        <p:nvGrpSpPr>
-          <p:cNvPr id="154" name="Group 153"/>
-          <p:cNvGrpSpPr/>
-          <p:nvPr/>
-        </p:nvGrpSpPr>
-        <p:grpSpPr>
-          <a:xfrm>
-            <a:off x="1443215" y="4029866"/>
-            <a:ext cx="1043182" cy="54508"/>
-            <a:chOff x="1513409" y="5272844"/>
-            <a:chExt cx="1043182" cy="54508"/>
-          </a:xfrm>
-        </p:grpSpPr>
-        <p:sp>
-          <p:nvSpPr>
-            <p:cNvPr id="155" name="Rectangle 154"/>
-            <p:cNvSpPr/>
-            <p:nvPr/>
-          </p:nvSpPr>
-          <p:spPr>
-            <a:xfrm>
-              <a:off x="1513409" y="5272844"/>
-              <a:ext cx="1043182" cy="53527"/>
-            </a:xfrm>
-            <a:prstGeom prst="rect">
-              <a:avLst/>
-            </a:prstGeom>
-            <a:solidFill>
-              <a:schemeClr val="bg1">
-                <a:lumMod val="65000"/>
-              </a:schemeClr>
-            </a:solidFill>
-            <a:ln>
-              <a:noFill/>
-            </a:ln>
-          </p:spPr>
-          <p:style>
-            <a:lnRef idx="2">
-              <a:schemeClr val="accent1">
-                <a:shade val="50000"/>
-              </a:schemeClr>
-            </a:lnRef>
-            <a:fillRef idx="1">
-              <a:schemeClr val="accent1"/>
-            </a:fillRef>
-            <a:effectRef idx="0">
-              <a:schemeClr val="accent1"/>
-            </a:effectRef>
-            <a:fontRef idx="minor">
-              <a:schemeClr val="lt1"/>
-            </a:fontRef>
-          </p:style>
-          <p:txBody>
-            <a:bodyPr rtlCol="0" anchor="ctr"/>
-            <a:lstStyle/>
-            <a:p>
-              <a:pPr algn="ctr"/>
-              <a:endParaRPr lang="en-US" dirty="0">
-                <a:cs typeface="Arial" panose="020B0604020202020204" pitchFamily="34" charset="0"/>
-              </a:endParaRPr>
-            </a:p>
-          </p:txBody>
-        </p:sp>
-        <p:sp>
-          <p:nvSpPr>
-            <p:cNvPr id="156" name="Rectangle 155"/>
-            <p:cNvSpPr/>
-            <p:nvPr/>
-          </p:nvSpPr>
-          <p:spPr>
-            <a:xfrm>
-              <a:off x="1513409" y="5272845"/>
-              <a:ext cx="878424" cy="54507"/>
-            </a:xfrm>
-            <a:prstGeom prst="rect">
-              <a:avLst/>
-            </a:prstGeom>
-            <a:solidFill>
-              <a:schemeClr val="bg1"/>
-            </a:solidFill>
-            <a:ln>
-              <a:noFill/>
-            </a:ln>
-          </p:spPr>
-          <p:style>
-            <a:lnRef idx="2">
-              <a:schemeClr val="accent1">
-                <a:shade val="50000"/>
-              </a:schemeClr>
-            </a:lnRef>
-            <a:fillRef idx="1">
-              <a:schemeClr val="accent1"/>
-            </a:fillRef>
-            <a:effectRef idx="0">
-              <a:schemeClr val="accent1"/>
-            </a:effectRef>
-            <a:fontRef idx="minor">
-              <a:schemeClr val="lt1"/>
-            </a:fontRef>
-          </p:style>
-          <p:txBody>
-            <a:bodyPr rtlCol="0" anchor="ctr"/>
-            <a:lstStyle/>
-            <a:p>
-              <a:pPr algn="ctr"/>
-              <a:endParaRPr lang="en-US">
-                <a:cs typeface="Arial" panose="020B0604020202020204" pitchFamily="34" charset="0"/>
-              </a:endParaRPr>
-            </a:p>
-          </p:txBody>
-        </p:sp>
-      </p:grpSp>
-      <p:grpSp>
-        <p:nvGrpSpPr>
-          <p:cNvPr id="157" name="Group 156"/>
-          <p:cNvGrpSpPr/>
-          <p:nvPr/>
-        </p:nvGrpSpPr>
-        <p:grpSpPr>
-          <a:xfrm>
-            <a:off x="1443215" y="4225401"/>
-            <a:ext cx="1043182" cy="54508"/>
-            <a:chOff x="1513409" y="5272844"/>
-            <a:chExt cx="1043182" cy="54508"/>
-          </a:xfrm>
-        </p:grpSpPr>
-        <p:sp>
-          <p:nvSpPr>
-            <p:cNvPr id="158" name="Rectangle 157"/>
-            <p:cNvSpPr/>
-            <p:nvPr/>
-          </p:nvSpPr>
-          <p:spPr>
-            <a:xfrm>
-              <a:off x="1513409" y="5272844"/>
-              <a:ext cx="1043182" cy="53527"/>
-            </a:xfrm>
-            <a:prstGeom prst="rect">
-              <a:avLst/>
-            </a:prstGeom>
-            <a:solidFill>
-              <a:schemeClr val="bg1">
-                <a:lumMod val="65000"/>
-              </a:schemeClr>
-            </a:solidFill>
-            <a:ln>
-              <a:noFill/>
-            </a:ln>
-          </p:spPr>
-          <p:style>
-            <a:lnRef idx="2">
-              <a:schemeClr val="accent1">
-                <a:shade val="50000"/>
-              </a:schemeClr>
-            </a:lnRef>
-            <a:fillRef idx="1">
-              <a:schemeClr val="accent1"/>
-            </a:fillRef>
-            <a:effectRef idx="0">
-              <a:schemeClr val="accent1"/>
-            </a:effectRef>
-            <a:fontRef idx="minor">
-              <a:schemeClr val="lt1"/>
-            </a:fontRef>
-          </p:style>
-          <p:txBody>
-            <a:bodyPr rtlCol="0" anchor="ctr"/>
-            <a:lstStyle/>
-            <a:p>
-              <a:pPr algn="ctr"/>
-              <a:endParaRPr lang="en-US" dirty="0">
-                <a:cs typeface="Arial" panose="020B0604020202020204" pitchFamily="34" charset="0"/>
-              </a:endParaRPr>
-            </a:p>
-          </p:txBody>
-        </p:sp>
-        <p:sp>
-          <p:nvSpPr>
-            <p:cNvPr id="159" name="Rectangle 158"/>
-            <p:cNvSpPr/>
-            <p:nvPr/>
-          </p:nvSpPr>
-          <p:spPr>
-            <a:xfrm>
-              <a:off x="1513409" y="5272845"/>
-              <a:ext cx="540000" cy="54507"/>
-            </a:xfrm>
-            <a:prstGeom prst="rect">
-              <a:avLst/>
-            </a:prstGeom>
-            <a:solidFill>
-              <a:schemeClr val="bg1"/>
-            </a:solidFill>
-            <a:ln>
-              <a:noFill/>
-            </a:ln>
-          </p:spPr>
-          <p:style>
-            <a:lnRef idx="2">
-              <a:schemeClr val="accent1">
-                <a:shade val="50000"/>
-              </a:schemeClr>
-            </a:lnRef>
-            <a:fillRef idx="1">
-              <a:schemeClr val="accent1"/>
-            </a:fillRef>
-            <a:effectRef idx="0">
-              <a:schemeClr val="accent1"/>
-            </a:effectRef>
-            <a:fontRef idx="minor">
-              <a:schemeClr val="lt1"/>
-            </a:fontRef>
-          </p:style>
-          <p:txBody>
-            <a:bodyPr rtlCol="0" anchor="ctr"/>
-            <a:lstStyle/>
-            <a:p>
-              <a:pPr algn="ctr"/>
-              <a:endParaRPr lang="en-US">
-                <a:cs typeface="Arial" panose="020B0604020202020204" pitchFamily="34" charset="0"/>
-              </a:endParaRPr>
-            </a:p>
-          </p:txBody>
-        </p:sp>
-      </p:grpSp>
-      <p:grpSp>
-        <p:nvGrpSpPr>
-          <p:cNvPr id="160" name="Group 159"/>
-          <p:cNvGrpSpPr/>
-          <p:nvPr/>
-        </p:nvGrpSpPr>
-        <p:grpSpPr>
-          <a:xfrm>
-            <a:off x="1443215" y="4416491"/>
-            <a:ext cx="1043182" cy="54508"/>
-            <a:chOff x="1513409" y="5272844"/>
-            <a:chExt cx="1043182" cy="54508"/>
-          </a:xfrm>
-        </p:grpSpPr>
-        <p:sp>
-          <p:nvSpPr>
-            <p:cNvPr id="161" name="Rectangle 160"/>
-            <p:cNvSpPr/>
-            <p:nvPr/>
-          </p:nvSpPr>
-          <p:spPr>
-            <a:xfrm>
-              <a:off x="1513409" y="5272844"/>
-              <a:ext cx="1043182" cy="53527"/>
-            </a:xfrm>
-            <a:prstGeom prst="rect">
-              <a:avLst/>
-            </a:prstGeom>
-            <a:solidFill>
-              <a:schemeClr val="bg1">
-                <a:lumMod val="65000"/>
-              </a:schemeClr>
-            </a:solidFill>
-            <a:ln>
-              <a:noFill/>
-            </a:ln>
-          </p:spPr>
-          <p:style>
-            <a:lnRef idx="2">
-              <a:schemeClr val="accent1">
-                <a:shade val="50000"/>
-              </a:schemeClr>
-            </a:lnRef>
-            <a:fillRef idx="1">
-              <a:schemeClr val="accent1"/>
-            </a:fillRef>
-            <a:effectRef idx="0">
-              <a:schemeClr val="accent1"/>
-            </a:effectRef>
-            <a:fontRef idx="minor">
-              <a:schemeClr val="lt1"/>
-            </a:fontRef>
-          </p:style>
-          <p:txBody>
-            <a:bodyPr rtlCol="0" anchor="ctr"/>
-            <a:lstStyle/>
-            <a:p>
-              <a:pPr algn="ctr"/>
-              <a:endParaRPr lang="en-US" dirty="0">
-                <a:cs typeface="Arial" panose="020B0604020202020204" pitchFamily="34" charset="0"/>
-              </a:endParaRPr>
-            </a:p>
-          </p:txBody>
-        </p:sp>
-        <p:sp>
-          <p:nvSpPr>
-            <p:cNvPr id="162" name="Rectangle 161"/>
-            <p:cNvSpPr/>
-            <p:nvPr/>
-          </p:nvSpPr>
-          <p:spPr>
-            <a:xfrm>
-              <a:off x="1513409" y="5272845"/>
-              <a:ext cx="396000" cy="54507"/>
-            </a:xfrm>
-            <a:prstGeom prst="rect">
-              <a:avLst/>
-            </a:prstGeom>
-            <a:solidFill>
-              <a:schemeClr val="bg1"/>
-            </a:solidFill>
-            <a:ln>
-              <a:noFill/>
-            </a:ln>
-          </p:spPr>
-          <p:style>
-            <a:lnRef idx="2">
-              <a:schemeClr val="accent1">
-                <a:shade val="50000"/>
-              </a:schemeClr>
-            </a:lnRef>
-            <a:fillRef idx="1">
-              <a:schemeClr val="accent1"/>
-            </a:fillRef>
-            <a:effectRef idx="0">
-              <a:schemeClr val="accent1"/>
-            </a:effectRef>
-            <a:fontRef idx="minor">
-              <a:schemeClr val="lt1"/>
-            </a:fontRef>
-          </p:style>
-          <p:txBody>
-            <a:bodyPr rtlCol="0" anchor="ctr"/>
-            <a:lstStyle/>
-            <a:p>
-              <a:pPr algn="ctr"/>
-              <a:endParaRPr lang="en-US">
-                <a:cs typeface="Arial" panose="020B0604020202020204" pitchFamily="34" charset="0"/>
-              </a:endParaRPr>
-            </a:p>
-          </p:txBody>
-        </p:sp>
-      </p:grpSp>
-      <p:grpSp>
-        <p:nvGrpSpPr>
           <p:cNvPr id="193" name="Group 140"/>
           <p:cNvGrpSpPr/>
           <p:nvPr/>
         </p:nvGrpSpPr>
         <p:grpSpPr>
           <a:xfrm>
-            <a:off x="229181" y="4826245"/>
+            <a:off x="229181" y="3397478"/>
             <a:ext cx="2265695" cy="251173"/>
             <a:chOff x="2757667" y="2757882"/>
             <a:chExt cx="2265695" cy="251173"/>
@@ -8132,12 +7468,6 @@
                 </a:rPr>
                 <a:t>COMPETENCES CLES</a:t>
               </a:r>
-              <a:endParaRPr lang="en-US" sz="1000" dirty="0">
-                <a:solidFill>
-                  <a:schemeClr val="bg1"/>
-                </a:solidFill>
-                <a:cs typeface="Arial" panose="020B0604020202020204" pitchFamily="34" charset="0"/>
-              </a:endParaRPr>
             </a:p>
           </p:txBody>
         </p:sp>
@@ -8235,8 +7565,8 @@
         </p:nvSpPr>
         <p:spPr>
           <a:xfrm>
-            <a:off x="184216" y="5284723"/>
-            <a:ext cx="2448000" cy="1938020"/>
+            <a:off x="54676" y="3693071"/>
+            <a:ext cx="2448000" cy="3662541"/>
           </a:xfrm>
           <a:prstGeom prst="rect">
             <a:avLst/>
@@ -8254,85 +7584,95 @@
               <a:buChar char="•"/>
             </a:pPr>
             <a:r>
-              <a:rPr lang="en-US" sz="800">
+              <a:rPr lang="fr-FR" sz="800" dirty="0" smtClean="0">
                 <a:solidFill>
                   <a:schemeClr val="bg1"/>
                 </a:solidFill>
                 <a:ea typeface="Open Sans" panose="020B0606030504020204" pitchFamily="34" charset="0"/>
                 <a:cs typeface="Arial" panose="020B0604020202020204" pitchFamily="34" charset="0"/>
               </a:rPr>
-              <a:t>Développement backend et frontend de sites et applications web</a:t>
-            </a:r>
-            <a:r>
-              <a:rPr lang="en-US" altLang="en-US" sz="800">
+              <a:t>Concevoir l’arborescence d’un site web</a:t>
+            </a:r>
+          </a:p>
+          <a:p>
+            <a:pPr marL="171450" indent="-171450" algn="just">
+              <a:buFont typeface="Arial" panose="020B0604020202020204" pitchFamily="34" charset="0"/>
+              <a:buChar char="•"/>
+            </a:pPr>
+            <a:r>
+              <a:rPr lang="fr-FR" sz="800" dirty="0" smtClean="0">
                 <a:solidFill>
                   <a:schemeClr val="bg1"/>
                 </a:solidFill>
                 <a:ea typeface="Open Sans" panose="020B0606030504020204" pitchFamily="34" charset="0"/>
                 <a:cs typeface="Arial" panose="020B0604020202020204" pitchFamily="34" charset="0"/>
               </a:rPr>
-              <a:t> s</a:t>
-            </a:r>
-            <a:r>
-              <a:rPr lang="en-US" sz="800" dirty="0" err="1">
+              <a:t>Analyser les besoins du client</a:t>
+            </a:r>
+          </a:p>
+          <a:p>
+            <a:pPr marL="171450" indent="-171450" algn="just">
+              <a:buFont typeface="Arial" panose="020B0604020202020204" pitchFamily="34" charset="0"/>
+              <a:buChar char="•"/>
+            </a:pPr>
+            <a:r>
+              <a:rPr lang="fr-FR" sz="800" dirty="0" smtClean="0">
                 <a:solidFill>
                   <a:schemeClr val="bg1"/>
                 </a:solidFill>
                 <a:ea typeface="Open Sans" panose="020B0606030504020204" pitchFamily="34" charset="0"/>
                 <a:cs typeface="Arial" panose="020B0604020202020204" pitchFamily="34" charset="0"/>
               </a:rPr>
-              <a:t>pécialisation</a:t>
-            </a:r>
-            <a:r>
-              <a:rPr lang="en-US" sz="800" dirty="0">
+              <a:t>Concevoir l’ergonomie de la navigation sur un site web</a:t>
+            </a:r>
+          </a:p>
+          <a:p>
+            <a:pPr marL="171450" indent="-171450" algn="just">
+              <a:buFont typeface="Arial" panose="020B0604020202020204" pitchFamily="34" charset="0"/>
+              <a:buChar char="•"/>
+            </a:pPr>
+            <a:r>
+              <a:rPr lang="fr-FR" sz="800" dirty="0" smtClean="0">
                 <a:solidFill>
                   <a:schemeClr val="bg1"/>
                 </a:solidFill>
                 <a:ea typeface="Open Sans" panose="020B0606030504020204" pitchFamily="34" charset="0"/>
                 <a:cs typeface="Arial" panose="020B0604020202020204" pitchFamily="34" charset="0"/>
               </a:rPr>
-              <a:t> dans </a:t>
-            </a:r>
-            <a:r>
-              <a:rPr lang="en-US" sz="800" dirty="0" err="1">
+              <a:t>Présenter une maquette, prototype à un client</a:t>
+            </a:r>
+          </a:p>
+          <a:p>
+            <a:pPr marL="171450" indent="-171450" algn="just">
+              <a:buFont typeface="Arial" panose="020B0604020202020204" pitchFamily="34" charset="0"/>
+              <a:buChar char="•"/>
+            </a:pPr>
+            <a:r>
+              <a:rPr lang="fr-FR" sz="800" dirty="0" smtClean="0">
                 <a:solidFill>
                   <a:schemeClr val="bg1"/>
                 </a:solidFill>
                 <a:ea typeface="Open Sans" panose="020B0606030504020204" pitchFamily="34" charset="0"/>
                 <a:cs typeface="Arial" panose="020B0604020202020204" pitchFamily="34" charset="0"/>
               </a:rPr>
-              <a:t>l’ergonomie</a:t>
-            </a:r>
-            <a:r>
-              <a:rPr lang="en-US" sz="800" dirty="0">
+              <a:t>Développer un site e-commerce</a:t>
+            </a:r>
+          </a:p>
+          <a:p>
+            <a:pPr marL="171450" indent="-171450" algn="just">
+              <a:buFont typeface="Arial" panose="020B0604020202020204" pitchFamily="34" charset="0"/>
+              <a:buChar char="•"/>
+            </a:pPr>
+            <a:r>
+              <a:rPr lang="fr-FR" sz="800" dirty="0" smtClean="0">
                 <a:solidFill>
                   <a:schemeClr val="bg1"/>
                 </a:solidFill>
                 <a:ea typeface="Open Sans" panose="020B0606030504020204" pitchFamily="34" charset="0"/>
                 <a:cs typeface="Arial" panose="020B0604020202020204" pitchFamily="34" charset="0"/>
               </a:rPr>
-              <a:t> des interfaces</a:t>
-            </a:r>
-            <a:endParaRPr lang="en-US" sz="800" dirty="0">
-              <a:solidFill>
-                <a:schemeClr val="bg1"/>
-              </a:solidFill>
-              <a:ea typeface="Open Sans" panose="020B0606030504020204" pitchFamily="34" charset="0"/>
-              <a:cs typeface="Arial" panose="020B0604020202020204" pitchFamily="34" charset="0"/>
-            </a:endParaRPr>
-          </a:p>
-          <a:p>
-            <a:pPr indent="0" algn="just">
-              <a:buFont typeface="Arial" panose="020B0604020202020204" pitchFamily="34" charset="0"/>
-              <a:buNone/>
-            </a:pPr>
-            <a:endParaRPr lang="en-US" sz="800" dirty="0">
-              <a:solidFill>
-                <a:schemeClr val="bg1"/>
-              </a:solidFill>
-              <a:ea typeface="Open Sans" panose="020B0606030504020204" pitchFamily="34" charset="0"/>
-              <a:cs typeface="Arial" panose="020B0604020202020204" pitchFamily="34" charset="0"/>
-            </a:endParaRPr>
+              <a:t>Développer une interface utilisateur web Dynamique</a:t>
+            </a:r>
           </a:p>
           <a:p>
             <a:pPr marL="171450" indent="-171450" algn="just">
@@ -8340,85 +7680,95 @@
               <a:buChar char="•"/>
             </a:pPr>
             <a:r>
-              <a:rPr lang="en-US" sz="800">
+              <a:rPr lang="fr-FR" sz="800" dirty="0" smtClean="0">
                 <a:solidFill>
                   <a:schemeClr val="bg1"/>
                 </a:solidFill>
                 <a:ea typeface="Open Sans" panose="020B0606030504020204" pitchFamily="34" charset="0"/>
                 <a:cs typeface="Arial" panose="020B0604020202020204" pitchFamily="34" charset="0"/>
               </a:rPr>
-              <a:t>Compréhension des besoins utilisateurs et création d’un cahier des charges.</a:t>
-            </a:r>
-            <a:r>
-              <a:rPr lang="en-US" altLang="en-US" sz="800">
+              <a:t>Assembler des pages en HTML5 et CSS3 à partir de maquettes graphiques</a:t>
+            </a:r>
+          </a:p>
+          <a:p>
+            <a:pPr marL="171450" indent="-171450" algn="just">
+              <a:buFont typeface="Arial" panose="020B0604020202020204" pitchFamily="34" charset="0"/>
+              <a:buChar char="•"/>
+            </a:pPr>
+            <a:r>
+              <a:rPr lang="fr-FR" sz="800" dirty="0" smtClean="0">
                 <a:solidFill>
                   <a:schemeClr val="bg1"/>
                 </a:solidFill>
                 <a:ea typeface="Open Sans" panose="020B0606030504020204" pitchFamily="34" charset="0"/>
                 <a:cs typeface="Arial" panose="020B0604020202020204" pitchFamily="34" charset="0"/>
               </a:rPr>
-              <a:t> Pl</a:t>
-            </a:r>
-            <a:r>
-              <a:rPr lang="en-US" altLang="en-US" sz="800" dirty="0">
+              <a:t>Développer des applications sur un support spécifique (embarqué, web, mobile, internet des objets,,,)</a:t>
+            </a:r>
+          </a:p>
+          <a:p>
+            <a:pPr marL="171450" indent="-171450" algn="just">
+              <a:buFont typeface="Arial" panose="020B0604020202020204" pitchFamily="34" charset="0"/>
+              <a:buChar char="•"/>
+            </a:pPr>
+            <a:r>
+              <a:rPr lang="fr-FR" sz="800" dirty="0" smtClean="0">
                 <a:solidFill>
                   <a:schemeClr val="bg1"/>
                 </a:solidFill>
                 <a:ea typeface="Open Sans" panose="020B0606030504020204" pitchFamily="34" charset="0"/>
                 <a:cs typeface="Arial" panose="020B0604020202020204" pitchFamily="34" charset="0"/>
               </a:rPr>
-              <a:t>a</a:t>
-            </a:r>
-            <a:r>
-              <a:rPr lang="en-US" sz="800" dirty="0">
+              <a:t>Améliorer le référencement naturel en utilisant les balises selon leur sémantique</a:t>
+            </a:r>
+          </a:p>
+          <a:p>
+            <a:pPr marL="171450" indent="-171450" algn="just">
+              <a:buFont typeface="Arial" panose="020B0604020202020204" pitchFamily="34" charset="0"/>
+              <a:buChar char="•"/>
+            </a:pPr>
+            <a:r>
+              <a:rPr lang="fr-FR" sz="800" dirty="0" smtClean="0">
                 <a:solidFill>
                   <a:schemeClr val="bg1"/>
                 </a:solidFill>
                 <a:ea typeface="Open Sans" panose="020B0606030504020204" pitchFamily="34" charset="0"/>
                 <a:cs typeface="Arial" panose="020B0604020202020204" pitchFamily="34" charset="0"/>
               </a:rPr>
-              <a:t>nification et gestion de </a:t>
-            </a:r>
-            <a:r>
-              <a:rPr lang="en-US" sz="800" dirty="0" err="1">
+              <a:t>Déterminer les phases et procédures de tests techniques et fonctionnels informatiques</a:t>
+            </a:r>
+          </a:p>
+          <a:p>
+            <a:pPr marL="171450" indent="-171450" algn="just">
+              <a:buFont typeface="Arial" panose="020B0604020202020204" pitchFamily="34" charset="0"/>
+              <a:buChar char="•"/>
+            </a:pPr>
+            <a:r>
+              <a:rPr lang="fr-FR" sz="800" dirty="0" smtClean="0">
                 <a:solidFill>
                   <a:schemeClr val="bg1"/>
                 </a:solidFill>
                 <a:ea typeface="Open Sans" panose="020B0606030504020204" pitchFamily="34" charset="0"/>
                 <a:cs typeface="Arial" panose="020B0604020202020204" pitchFamily="34" charset="0"/>
               </a:rPr>
-              <a:t>projet</a:t>
-            </a:r>
-            <a:r>
-              <a:rPr lang="en-US" altLang="en-US" sz="800" dirty="0" err="1">
+              <a:t>Développer une application pour le web ou des périphériques mobiles</a:t>
+            </a:r>
+          </a:p>
+          <a:p>
+            <a:pPr marL="171450" indent="-171450" algn="just">
+              <a:buFont typeface="Arial" panose="020B0604020202020204" pitchFamily="34" charset="0"/>
+              <a:buChar char="•"/>
+            </a:pPr>
+            <a:r>
+              <a:rPr lang="fr-FR" sz="800" dirty="0" smtClean="0">
                 <a:solidFill>
                   <a:schemeClr val="bg1"/>
                 </a:solidFill>
                 <a:ea typeface="Open Sans" panose="020B0606030504020204" pitchFamily="34" charset="0"/>
                 <a:cs typeface="Arial" panose="020B0604020202020204" pitchFamily="34" charset="0"/>
               </a:rPr>
-              <a:t>s</a:t>
-            </a:r>
-            <a:endParaRPr lang="en-US" sz="800" dirty="0" err="1">
-              <a:solidFill>
-                <a:schemeClr val="bg1"/>
-              </a:solidFill>
-              <a:ea typeface="Open Sans" panose="020B0606030504020204" pitchFamily="34" charset="0"/>
-              <a:cs typeface="Arial" panose="020B0604020202020204" pitchFamily="34" charset="0"/>
-            </a:endParaRPr>
-          </a:p>
-          <a:p>
-            <a:pPr indent="0" algn="just">
-              <a:buFont typeface="Arial" panose="020B0604020202020204" pitchFamily="34" charset="0"/>
-              <a:buNone/>
-            </a:pPr>
-            <a:endParaRPr lang="en-US" sz="800" dirty="0">
-              <a:solidFill>
-                <a:schemeClr val="bg1"/>
-              </a:solidFill>
-              <a:ea typeface="Open Sans" panose="020B0606030504020204" pitchFamily="34" charset="0"/>
-              <a:cs typeface="Arial" panose="020B0604020202020204" pitchFamily="34" charset="0"/>
-            </a:endParaRPr>
+              <a:t>Mettre à jour et interroger une base de données relationnelle</a:t>
+            </a:r>
           </a:p>
           <a:p>
             <a:pPr marL="171450" indent="-171450" algn="just">
@@ -8426,35 +7776,15 @@
               <a:buChar char="•"/>
             </a:pPr>
             <a:r>
-              <a:rPr lang="en-US" sz="800">
+              <a:rPr lang="fr-FR" sz="800" dirty="0" smtClean="0">
                 <a:solidFill>
                   <a:schemeClr val="bg1"/>
                 </a:solidFill>
                 <a:ea typeface="Open Sans" panose="020B0606030504020204" pitchFamily="34" charset="0"/>
                 <a:cs typeface="Arial" panose="020B0604020202020204" pitchFamily="34" charset="0"/>
               </a:rPr>
-              <a:t>Orchestration du déploiement d’applications via des outils de déploiement continu.</a:t>
-            </a:r>
-            <a:endParaRPr lang="en-US" sz="800">
-              <a:solidFill>
-                <a:schemeClr val="bg1"/>
-              </a:solidFill>
-              <a:ea typeface="Open Sans" panose="020B0606030504020204" pitchFamily="34" charset="0"/>
-              <a:cs typeface="Arial" panose="020B0604020202020204" pitchFamily="34" charset="0"/>
-            </a:endParaRPr>
-          </a:p>
-          <a:p>
-            <a:pPr indent="0" algn="just">
-              <a:buFont typeface="Arial" panose="020B0604020202020204" pitchFamily="34" charset="0"/>
-              <a:buNone/>
-            </a:pPr>
-            <a:endParaRPr lang="en-US" sz="800">
-              <a:solidFill>
-                <a:schemeClr val="bg1"/>
-              </a:solidFill>
-              <a:ea typeface="Open Sans" panose="020B0606030504020204" pitchFamily="34" charset="0"/>
-              <a:cs typeface="Arial" panose="020B0604020202020204" pitchFamily="34" charset="0"/>
-            </a:endParaRPr>
+              <a:t>Gestion de contenus numériques</a:t>
+            </a:r>
           </a:p>
           <a:p>
             <a:pPr marL="171450" indent="-171450" algn="just">
@@ -8462,52 +7792,96 @@
               <a:buChar char="•"/>
             </a:pPr>
             <a:r>
-              <a:rPr lang="en-US" sz="800">
+              <a:rPr lang="fr-FR" sz="800" dirty="0" smtClean="0">
                 <a:solidFill>
                   <a:schemeClr val="bg1"/>
                 </a:solidFill>
                 <a:ea typeface="Open Sans" panose="020B0606030504020204" pitchFamily="34" charset="0"/>
                 <a:cs typeface="Arial" panose="020B0604020202020204" pitchFamily="34" charset="0"/>
               </a:rPr>
-              <a:t>Maintenance, correctif de bugs et amélioration des sites ou applications web.</a:t>
-            </a:r>
-            <a:endParaRPr lang="en-US" sz="800">
-              <a:solidFill>
-                <a:schemeClr val="bg1"/>
-              </a:solidFill>
-              <a:ea typeface="Open Sans" panose="020B0606030504020204" pitchFamily="34" charset="0"/>
-              <a:cs typeface="Arial" panose="020B0604020202020204" pitchFamily="34" charset="0"/>
-            </a:endParaRPr>
+              <a:t>Contrôler la conformité du codage des données</a:t>
+            </a:r>
           </a:p>
           <a:p>
             <a:pPr marL="171450" indent="-171450" algn="just">
               <a:buFont typeface="Arial" panose="020B0604020202020204" pitchFamily="34" charset="0"/>
               <a:buChar char="•"/>
             </a:pPr>
-            <a:endParaRPr lang="en-US" sz="800">
-              <a:solidFill>
-                <a:schemeClr val="bg1"/>
-              </a:solidFill>
-              <a:ea typeface="Open Sans" panose="020B0606030504020204" pitchFamily="34" charset="0"/>
-              <a:cs typeface="Arial" panose="020B0604020202020204" pitchFamily="34" charset="0"/>
-            </a:endParaRPr>
-          </a:p>
-          <a:p>
-            <a:pPr marL="171450" indent="-171450" algn="just">
-              <a:buFont typeface="Arial" panose="020B0604020202020204" pitchFamily="34" charset="0"/>
-              <a:buChar char="•"/>
-            </a:pPr>
-            <a:r>
-              <a:rPr lang="fr-FR" altLang="en-US" sz="800">
+            <a:r>
+              <a:rPr lang="fr-FR" sz="800" dirty="0" smtClean="0">
                 <a:solidFill>
                   <a:schemeClr val="bg1"/>
                 </a:solidFill>
                 <a:ea typeface="Open Sans" panose="020B0606030504020204" pitchFamily="34" charset="0"/>
                 <a:cs typeface="Arial" panose="020B0604020202020204" pitchFamily="34" charset="0"/>
               </a:rPr>
-              <a:t>Git</a:t>
-            </a:r>
-            <a:endParaRPr lang="fr-FR" altLang="en-US" sz="800">
+              <a:t>Analyser et optimiser l’expérience utilisateur</a:t>
+            </a:r>
+          </a:p>
+          <a:p>
+            <a:pPr marL="171450" indent="-171450" algn="just">
+              <a:buFont typeface="Arial" panose="020B0604020202020204" pitchFamily="34" charset="0"/>
+              <a:buChar char="•"/>
+            </a:pPr>
+            <a:r>
+              <a:rPr lang="fr-FR" sz="800" dirty="0" smtClean="0">
+                <a:solidFill>
+                  <a:schemeClr val="bg1"/>
+                </a:solidFill>
+                <a:ea typeface="Open Sans" panose="020B0606030504020204" pitchFamily="34" charset="0"/>
+                <a:cs typeface="Arial" panose="020B0604020202020204" pitchFamily="34" charset="0"/>
+              </a:rPr>
+              <a:t>Vérifier la conformité d’une réalisation avec un cahier des charges</a:t>
+            </a:r>
+          </a:p>
+          <a:p>
+            <a:pPr marL="171450" indent="-171450" algn="just">
+              <a:buFont typeface="Arial" panose="020B0604020202020204" pitchFamily="34" charset="0"/>
+              <a:buChar char="•"/>
+            </a:pPr>
+            <a:r>
+              <a:rPr lang="fr-FR" sz="800" dirty="0" smtClean="0">
+                <a:solidFill>
+                  <a:schemeClr val="bg1"/>
+                </a:solidFill>
+                <a:ea typeface="Open Sans" panose="020B0606030504020204" pitchFamily="34" charset="0"/>
+                <a:cs typeface="Arial" panose="020B0604020202020204" pitchFamily="34" charset="0"/>
+              </a:rPr>
+              <a:t>Former un public à l’utilisation d’un équipement </a:t>
+            </a:r>
+          </a:p>
+          <a:p>
+            <a:pPr marL="171450" indent="-171450" algn="just">
+              <a:buFont typeface="Arial" panose="020B0604020202020204" pitchFamily="34" charset="0"/>
+              <a:buChar char="•"/>
+            </a:pPr>
+            <a:r>
+              <a:rPr lang="fr-FR" sz="800" dirty="0" smtClean="0">
+                <a:solidFill>
+                  <a:schemeClr val="bg1"/>
+                </a:solidFill>
+                <a:ea typeface="Open Sans" panose="020B0606030504020204" pitchFamily="34" charset="0"/>
+                <a:cs typeface="Arial" panose="020B0604020202020204" pitchFamily="34" charset="0"/>
+              </a:rPr>
+              <a:t>Sécuriser un site web</a:t>
+            </a:r>
+          </a:p>
+          <a:p>
+            <a:pPr marL="171450" indent="-171450" algn="just">
+              <a:buFont typeface="Arial" panose="020B0604020202020204" pitchFamily="34" charset="0"/>
+              <a:buChar char="•"/>
+            </a:pPr>
+            <a:r>
+              <a:rPr lang="fr-FR" sz="800" dirty="0" smtClean="0">
+                <a:solidFill>
+                  <a:schemeClr val="bg1"/>
+                </a:solidFill>
+                <a:ea typeface="Open Sans" panose="020B0606030504020204" pitchFamily="34" charset="0"/>
+                <a:cs typeface="Arial" panose="020B0604020202020204" pitchFamily="34" charset="0"/>
+              </a:rPr>
+              <a:t>Assurer l’intégrité et la sécurité des données</a:t>
+            </a:r>
+            <a:endParaRPr lang="fr-FR" altLang="en-US" sz="800" dirty="0">
               <a:solidFill>
                 <a:schemeClr val="bg1"/>
               </a:solidFill>
@@ -8525,9 +7899,9 @@
         </p:nvGrpSpPr>
         <p:grpSpPr>
           <a:xfrm>
-            <a:off x="237989" y="7456422"/>
+            <a:off x="237989" y="7860282"/>
             <a:ext cx="2265695" cy="246221"/>
-            <a:chOff x="2757667" y="2757882"/>
+            <a:chOff x="2757667" y="3032202"/>
             <a:chExt cx="2265695" cy="246221"/>
           </a:xfrm>
         </p:grpSpPr>
@@ -8539,7 +7913,7 @@
           </p:nvSpPr>
           <p:spPr>
             <a:xfrm>
-              <a:off x="2757667" y="2762834"/>
+              <a:off x="2757667" y="3060014"/>
               <a:ext cx="1241765" cy="213995"/>
             </a:xfrm>
             <a:prstGeom prst="rect">
@@ -8562,12 +7936,6 @@
                 </a:rPr>
                 <a:t>SOFT SKILLS</a:t>
               </a:r>
-              <a:endParaRPr lang="en-US" sz="800" b="1" dirty="0">
-                <a:solidFill>
-                  <a:schemeClr val="bg1"/>
-                </a:solidFill>
-                <a:cs typeface="Arial" panose="020B0604020202020204" pitchFamily="34" charset="0"/>
-              </a:endParaRPr>
             </a:p>
           </p:txBody>
         </p:sp>
@@ -8579,7 +7947,7 @@
           </p:nvSpPr>
           <p:spPr>
             <a:xfrm>
-              <a:off x="2792994" y="2757882"/>
+              <a:off x="2792994" y="3032202"/>
               <a:ext cx="1206438" cy="246221"/>
             </a:xfrm>
             <a:prstGeom prst="rect">
@@ -8629,7 +7997,7 @@
           </p:nvCxnSpPr>
           <p:spPr>
             <a:xfrm>
-              <a:off x="3999432" y="2880993"/>
+              <a:off x="3999432" y="3155313"/>
               <a:ext cx="1023930" cy="0"/>
             </a:xfrm>
             <a:prstGeom prst="line">
@@ -8665,7 +8033,7 @@
         </p:nvSpPr>
         <p:spPr>
           <a:xfrm>
-            <a:off x="198104" y="7838700"/>
+            <a:off x="198104" y="8105400"/>
             <a:ext cx="2241751" cy="1076325"/>
           </a:xfrm>
           <a:prstGeom prst="rect">
@@ -8684,7 +8052,7 @@
               <a:buChar char="•"/>
             </a:pPr>
             <a:r>
-              <a:rPr lang="en-US" sz="800">
+              <a:rPr lang="fr-FR" sz="800" dirty="0" smtClean="0">
                 <a:solidFill>
                   <a:schemeClr val="bg1"/>
                 </a:solidFill>
@@ -8694,7 +8062,7 @@
               </a:rPr>
               <a:t>Excellente gestion du temps, respect scrupuleux des délais.</a:t>
             </a:r>
-            <a:endParaRPr lang="en-US" sz="800">
+            <a:endParaRPr lang="fr-FR" sz="800" dirty="0" smtClean="0">
               <a:solidFill>
                 <a:schemeClr val="bg1"/>
               </a:solidFill>
@@ -8726,11 +8094,6 @@
               </a:rPr>
               <a:t>Enthousiaste et curieux</a:t>
             </a:r>
-            <a:endParaRPr lang="fr-FR" sz="800" dirty="0">
-              <a:solidFill>
-                <a:schemeClr val="bg1"/>
-              </a:solidFill>
-            </a:endParaRPr>
           </a:p>
           <a:p>
             <a:pPr marL="171450" indent="-171450">
@@ -8749,7 +8112,7 @@
               <a:buChar char="•"/>
             </a:pPr>
             <a:r>
-              <a:rPr lang="en-US" sz="800">
+              <a:rPr lang="fr-FR" sz="800" dirty="0" smtClean="0">
                 <a:solidFill>
                   <a:schemeClr val="bg1"/>
                 </a:solidFill>
@@ -8759,7 +8122,7 @@
               </a:rPr>
               <a:t>Adaptabilité, capacité à travailler sur des sujets/univers divers.</a:t>
             </a:r>
-            <a:endParaRPr lang="en-US" sz="800">
+            <a:endParaRPr lang="fr-FR" sz="800" dirty="0" smtClean="0">
               <a:solidFill>
                 <a:schemeClr val="bg1"/>
               </a:solidFill>
@@ -8827,12 +8190,6 @@
                 </a:rPr>
                 <a:t>LANGUES</a:t>
               </a:r>
-              <a:endParaRPr lang="en-US" sz="800" b="1" dirty="0">
-                <a:solidFill>
-                  <a:schemeClr val="bg1"/>
-                </a:solidFill>
-                <a:cs typeface="Arial" panose="020B0604020202020204" pitchFamily="34" charset="0"/>
-              </a:endParaRPr>
             </a:p>
           </p:txBody>
         </p:sp>
@@ -8946,7 +8303,7 @@
           <a:p>
             <a:pPr algn="just"/>
             <a:r>
-              <a:rPr lang="en-US" altLang="en-US" sz="800" dirty="0" err="1">
+              <a:rPr lang="fr-FR" altLang="en-US" sz="800" dirty="0" smtClean="0">
                 <a:solidFill>
                   <a:schemeClr val="bg1"/>
                 </a:solidFill>
@@ -8955,7 +8312,7 @@
               </a:rPr>
               <a:t>Français</a:t>
             </a:r>
-            <a:endParaRPr lang="en-US" altLang="en-US" sz="800" dirty="0" err="1">
+            <a:endParaRPr lang="fr-FR" altLang="en-US" sz="800" dirty="0">
               <a:solidFill>
                 <a:schemeClr val="bg1"/>
               </a:solidFill>
@@ -8989,7 +8346,7 @@
           <a:p>
             <a:pPr algn="just"/>
             <a:r>
-              <a:rPr lang="en-US" sz="800" dirty="0" err="1">
+              <a:rPr lang="fr-FR" sz="800" dirty="0" smtClean="0">
                 <a:solidFill>
                   <a:schemeClr val="bg1"/>
                 </a:solidFill>
@@ -8999,7 +8356,7 @@
               <a:t>A</a:t>
             </a:r>
             <a:r>
-              <a:rPr lang="en-US" altLang="en-US" sz="800" dirty="0" err="1">
+              <a:rPr lang="fr-FR" altLang="en-US" sz="800" dirty="0" smtClean="0">
                 <a:solidFill>
                   <a:schemeClr val="bg1"/>
                 </a:solidFill>
@@ -9008,7 +8365,7 @@
               </a:rPr>
               <a:t>nglais</a:t>
             </a:r>
-            <a:endParaRPr lang="en-US" altLang="en-US" sz="800" dirty="0" err="1">
+            <a:endParaRPr lang="fr-FR" altLang="en-US" sz="800" dirty="0">
               <a:solidFill>
                 <a:schemeClr val="bg1"/>
               </a:solidFill>
@@ -9386,6 +8743,7 @@
           </p:style>
           <p:txBody>
             <a:bodyPr rtlCol="0" anchor="ctr"/>
+            <a:lstStyle/>
             <a:p>
               <a:pPr algn="ctr"/>
               <a:endParaRPr lang="en-US">
@@ -9419,6 +8777,7 @@
             <a:bodyPr wrap="square" rtlCol="0">
               <a:spAutoFit/>
             </a:bodyPr>
+            <a:lstStyle/>
             <a:p>
               <a:pPr algn="ctr"/>
               <a:r>
@@ -9428,41 +8787,8 @@
                   </a:solidFill>
                   <a:cs typeface="Arial" panose="020B0604020202020204" pitchFamily="34" charset="0"/>
                 </a:rPr>
-                <a:t>Sep.</a:t>
+                <a:t>Sep.2017 </a:t>
               </a:r>
-              <a:r>
-                <a:rPr lang="en-US" altLang="en-US" sz="700" dirty="0">
-                  <a:solidFill>
-                    <a:schemeClr val="bg1"/>
-                  </a:solidFill>
-                  <a:cs typeface="Arial" panose="020B0604020202020204" pitchFamily="34" charset="0"/>
-                </a:rPr>
-                <a:t>201</a:t>
-              </a:r>
-              <a:r>
-                <a:rPr lang="en-US" altLang="en-US" sz="700" dirty="0">
-                  <a:solidFill>
-                    <a:schemeClr val="bg1"/>
-                  </a:solidFill>
-                  <a:cs typeface="Arial" panose="020B0604020202020204" pitchFamily="34" charset="0"/>
-                </a:rPr>
-                <a:t>7</a:t>
-              </a:r>
-              <a:r>
-                <a:rPr lang="en-US" altLang="en-US" sz="700" dirty="0">
-                  <a:solidFill>
-                    <a:schemeClr val="bg1"/>
-                  </a:solidFill>
-                  <a:cs typeface="Arial" panose="020B0604020202020204" pitchFamily="34" charset="0"/>
-                </a:rPr>
-                <a:t> </a:t>
-              </a:r>
-              <a:endParaRPr lang="en-US" altLang="en-US" sz="700" dirty="0">
-                <a:solidFill>
-                  <a:schemeClr val="bg1"/>
-                </a:solidFill>
-                <a:cs typeface="Arial" panose="020B0604020202020204" pitchFamily="34" charset="0"/>
-              </a:endParaRPr>
             </a:p>
           </p:txBody>
         </p:sp>
@@ -9501,6 +8827,7 @@
             <a:bodyPr wrap="square" rtlCol="0">
               <a:spAutoFit/>
             </a:bodyPr>
+            <a:lstStyle/>
             <a:p>
               <a:r>
                 <a:rPr lang="en-US" sz="800" dirty="0">
@@ -9511,12 +8838,6 @@
                 </a:rPr>
                 <a:t>Graduate School of Management(GSM) | Abidjan Ivory Coast</a:t>
               </a:r>
-              <a:endParaRPr lang="en-US" sz="800" dirty="0">
-                <a:solidFill>
-                  <a:srgbClr val="374976"/>
-                </a:solidFill>
-                <a:cs typeface="Arial" panose="020B0604020202020204" pitchFamily="34" charset="0"/>
-              </a:endParaRPr>
             </a:p>
           </p:txBody>
         </p:sp>
@@ -9540,6 +8861,7 @@
             <a:bodyPr wrap="square" rtlCol="0">
               <a:spAutoFit/>
             </a:bodyPr>
+            <a:lstStyle/>
             <a:p>
               <a:r>
                 <a:rPr lang="en-US" sz="600" b="1">
@@ -9577,15 +8899,6 @@
                 </a:rPr>
                 <a:t> D’APPLICATION</a:t>
               </a:r>
-              <a:endParaRPr lang="en-US" sz="600" b="1">
-                <a:solidFill>
-                  <a:schemeClr val="tx1">
-                    <a:lumMod val="75000"/>
-                    <a:lumOff val="25000"/>
-                  </a:schemeClr>
-                </a:solidFill>
-                <a:cs typeface="Arial" panose="020B0604020202020204" pitchFamily="34" charset="0"/>
-              </a:endParaRPr>
             </a:p>
           </p:txBody>
         </p:sp>
@@ -9609,6 +8922,7 @@
             <a:bodyPr wrap="square" rtlCol="0">
               <a:spAutoFit/>
             </a:bodyPr>
+            <a:lstStyle/>
             <a:p>
               <a:pPr algn="just"/>
               <a:r>
@@ -9650,16 +8964,6 @@
                 </a:rPr>
                 <a:t> </a:t>
               </a:r>
-              <a:endParaRPr lang="en-US" sz="700" dirty="0">
-                <a:solidFill>
-                  <a:schemeClr val="tx1">
-                    <a:lumMod val="75000"/>
-                    <a:lumOff val="25000"/>
-                  </a:schemeClr>
-                </a:solidFill>
-                <a:ea typeface="Open Sans" panose="020B0606030504020204" pitchFamily="34" charset="0"/>
-                <a:cs typeface="Arial" panose="020B0604020202020204" pitchFamily="34" charset="0"/>
-              </a:endParaRPr>
             </a:p>
           </p:txBody>
         </p:sp>
@@ -9780,6 +9084,7 @@
           </p:style>
           <p:txBody>
             <a:bodyPr rtlCol="0" anchor="ctr"/>
+            <a:lstStyle/>
             <a:p>
               <a:pPr algn="ctr"/>
               <a:endParaRPr lang="en-US">
@@ -9813,6 +9118,7 @@
             <a:bodyPr wrap="square" rtlCol="0">
               <a:spAutoFit/>
             </a:bodyPr>
+            <a:lstStyle/>
             <a:p>
               <a:pPr algn="ctr"/>
               <a:r>
@@ -9849,41 +9155,8 @@
                   </a:solidFill>
                   <a:cs typeface="Arial" panose="020B0604020202020204" pitchFamily="34" charset="0"/>
                 </a:rPr>
-                <a:t> -</a:t>
+                <a:t> - Nov.2017</a:t>
               </a:r>
-              <a:r>
-                <a:rPr lang="en-US" altLang="en-US" sz="700" dirty="0">
-                  <a:solidFill>
-                    <a:schemeClr val="bg1"/>
-                  </a:solidFill>
-                  <a:cs typeface="Arial" panose="020B0604020202020204" pitchFamily="34" charset="0"/>
-                </a:rPr>
-                <a:t> Nov.2</a:t>
-              </a:r>
-              <a:r>
-                <a:rPr lang="en-US" altLang="en-US" sz="700" dirty="0">
-                  <a:solidFill>
-                    <a:schemeClr val="bg1"/>
-                  </a:solidFill>
-                  <a:cs typeface="Arial" panose="020B0604020202020204" pitchFamily="34" charset="0"/>
-                </a:rPr>
-                <a:t>0</a:t>
-              </a:r>
-              <a:r>
-                <a:rPr lang="en-US" altLang="en-US" sz="700" dirty="0">
-                  <a:solidFill>
-                    <a:schemeClr val="bg1"/>
-                  </a:solidFill>
-                  <a:cs typeface="Arial" panose="020B0604020202020204" pitchFamily="34" charset="0"/>
-                </a:rPr>
-                <a:t>17</a:t>
-              </a:r>
-              <a:endParaRPr lang="en-US" altLang="en-US" sz="700" dirty="0">
-                <a:solidFill>
-                  <a:schemeClr val="bg1"/>
-                </a:solidFill>
-                <a:cs typeface="Arial" panose="020B0604020202020204" pitchFamily="34" charset="0"/>
-              </a:endParaRPr>
             </a:p>
           </p:txBody>
         </p:sp>
@@ -9922,6 +9195,7 @@
             <a:bodyPr wrap="square" rtlCol="0">
               <a:spAutoFit/>
             </a:bodyPr>
+            <a:lstStyle/>
             <a:p>
               <a:r>
                 <a:rPr lang="en-US" sz="800" dirty="0">
@@ -9932,12 +9206,6 @@
                 </a:rPr>
                 <a:t>Commandant Cousteau | Abidjan Ivory Coast</a:t>
               </a:r>
-              <a:endParaRPr lang="en-US" sz="800" dirty="0">
-                <a:solidFill>
-                  <a:srgbClr val="374976"/>
-                </a:solidFill>
-                <a:cs typeface="Arial" panose="020B0604020202020204" pitchFamily="34" charset="0"/>
-              </a:endParaRPr>
             </a:p>
           </p:txBody>
         </p:sp>
@@ -9961,6 +9229,7 @@
             <a:bodyPr wrap="square" rtlCol="0">
               <a:spAutoFit/>
             </a:bodyPr>
+            <a:lstStyle/>
             <a:p>
               <a:r>
                 <a:rPr lang="en-US" altLang="en-US" sz="600" b="1">
@@ -9974,15 +9243,6 @@
                 </a:rPr>
                 <a:t>SERIE D</a:t>
               </a:r>
-              <a:endParaRPr lang="en-US" altLang="en-US" sz="600" b="1">
-                <a:solidFill>
-                  <a:schemeClr val="tx1">
-                    <a:lumMod val="75000"/>
-                    <a:lumOff val="25000"/>
-                  </a:schemeClr>
-                </a:solidFill>
-                <a:cs typeface="Arial" panose="020B0604020202020204" pitchFamily="34" charset="0"/>
-              </a:endParaRPr>
             </a:p>
           </p:txBody>
         </p:sp>
@@ -10006,6 +9266,7 @@
             <a:bodyPr wrap="square" rtlCol="0">
               <a:spAutoFit/>
             </a:bodyPr>
+            <a:lstStyle/>
             <a:p>
               <a:pPr algn="just"/>
               <a:r>
@@ -10047,16 +9308,6 @@
                 </a:rPr>
                 <a:t> </a:t>
               </a:r>
-              <a:endParaRPr lang="en-US" sz="700" dirty="0">
-                <a:solidFill>
-                  <a:schemeClr val="tx1">
-                    <a:lumMod val="75000"/>
-                    <a:lumOff val="25000"/>
-                  </a:schemeClr>
-                </a:solidFill>
-                <a:ea typeface="Open Sans" panose="020B0606030504020204" pitchFamily="34" charset="0"/>
-                <a:cs typeface="Arial" panose="020B0604020202020204" pitchFamily="34" charset="0"/>
-              </a:endParaRPr>
             </a:p>
           </p:txBody>
         </p:sp>
@@ -10177,6 +9428,7 @@
           </p:style>
           <p:txBody>
             <a:bodyPr rtlCol="0" anchor="ctr"/>
+            <a:lstStyle/>
             <a:p>
               <a:pPr algn="ctr"/>
               <a:endParaRPr lang="en-US">
@@ -10210,6 +9462,7 @@
             <a:bodyPr wrap="square" rtlCol="0">
               <a:spAutoFit/>
             </a:bodyPr>
+            <a:lstStyle/>
             <a:p>
               <a:pPr algn="ctr"/>
               <a:r>
@@ -10219,77 +9472,8 @@
                   </a:solidFill>
                   <a:cs typeface="Arial" panose="020B0604020202020204" pitchFamily="34" charset="0"/>
                 </a:rPr>
-                <a:t>Jun</a:t>
+                <a:t>Jun.2013 - Jul.2014</a:t>
               </a:r>
-              <a:r>
-                <a:rPr lang="en-US" altLang="en-US" sz="700" dirty="0">
-                  <a:solidFill>
-                    <a:schemeClr val="bg1"/>
-                  </a:solidFill>
-                  <a:cs typeface="Arial" panose="020B0604020202020204" pitchFamily="34" charset="0"/>
-                </a:rPr>
-                <a:t>.201</a:t>
-              </a:r>
-              <a:r>
-                <a:rPr lang="en-US" altLang="en-US" sz="700" dirty="0">
-                  <a:solidFill>
-                    <a:schemeClr val="bg1"/>
-                  </a:solidFill>
-                  <a:cs typeface="Arial" panose="020B0604020202020204" pitchFamily="34" charset="0"/>
-                </a:rPr>
-                <a:t>3</a:t>
-              </a:r>
-              <a:r>
-                <a:rPr lang="en-US" altLang="en-US" sz="700" dirty="0">
-                  <a:solidFill>
-                    <a:schemeClr val="bg1"/>
-                  </a:solidFill>
-                  <a:cs typeface="Arial" panose="020B0604020202020204" pitchFamily="34" charset="0"/>
-                </a:rPr>
-                <a:t> - </a:t>
-              </a:r>
-              <a:r>
-                <a:rPr lang="en-US" altLang="en-US" sz="700" dirty="0">
-                  <a:solidFill>
-                    <a:schemeClr val="bg1"/>
-                  </a:solidFill>
-                  <a:cs typeface="Arial" panose="020B0604020202020204" pitchFamily="34" charset="0"/>
-                </a:rPr>
-                <a:t>Jul</a:t>
-              </a:r>
-              <a:r>
-                <a:rPr lang="en-US" altLang="en-US" sz="700" dirty="0">
-                  <a:solidFill>
-                    <a:schemeClr val="bg1"/>
-                  </a:solidFill>
-                  <a:cs typeface="Arial" panose="020B0604020202020204" pitchFamily="34" charset="0"/>
-                </a:rPr>
-                <a:t>.2</a:t>
-              </a:r>
-              <a:r>
-                <a:rPr lang="en-US" altLang="en-US" sz="700" dirty="0">
-                  <a:solidFill>
-                    <a:schemeClr val="bg1"/>
-                  </a:solidFill>
-                  <a:cs typeface="Arial" panose="020B0604020202020204" pitchFamily="34" charset="0"/>
-                </a:rPr>
-                <a:t>01</a:t>
-              </a:r>
-              <a:r>
-                <a:rPr lang="en-US" altLang="en-US" sz="700" dirty="0">
-                  <a:solidFill>
-                    <a:schemeClr val="bg1"/>
-                  </a:solidFill>
-                  <a:cs typeface="Arial" panose="020B0604020202020204" pitchFamily="34" charset="0"/>
-                </a:rPr>
-                <a:t>4</a:t>
-              </a:r>
-              <a:endParaRPr lang="en-US" altLang="en-US" sz="700" dirty="0">
-                <a:solidFill>
-                  <a:schemeClr val="bg1"/>
-                </a:solidFill>
-                <a:cs typeface="Arial" panose="020B0604020202020204" pitchFamily="34" charset="0"/>
-              </a:endParaRPr>
             </a:p>
           </p:txBody>
         </p:sp>
@@ -10303,7 +9487,7 @@
           <p:nvPr/>
         </p:nvPicPr>
         <p:blipFill>
-          <a:blip r:embed="rId1"/>
+          <a:blip r:embed="rId3"/>
           <a:srcRect/>
           <a:stretch>
             <a:fillRect/>
@@ -10353,6 +9537,7 @@
             <a:bodyPr wrap="square" rtlCol="0">
               <a:spAutoFit/>
             </a:bodyPr>
+            <a:lstStyle/>
             <a:p>
               <a:r>
                 <a:rPr lang="en-US" sz="800" dirty="0">
@@ -10381,12 +9566,6 @@
                 </a:rPr>
                 <a:t> Sécurité Informatique Abidjan | Abidjan Ivory Coast</a:t>
               </a:r>
-              <a:endParaRPr lang="en-US" sz="800" dirty="0">
-                <a:solidFill>
-                  <a:srgbClr val="374976"/>
-                </a:solidFill>
-                <a:cs typeface="Arial" panose="020B0604020202020204" pitchFamily="34" charset="0"/>
-              </a:endParaRPr>
             </a:p>
           </p:txBody>
         </p:sp>
@@ -10410,6 +9589,7 @@
             <a:bodyPr wrap="square" rtlCol="0">
               <a:spAutoFit/>
             </a:bodyPr>
+            <a:lstStyle/>
             <a:p>
               <a:r>
                 <a:rPr lang="fr-FR" altLang="en-US" sz="600" b="1">
@@ -10423,15 +9603,6 @@
                 </a:rPr>
                 <a:t>ECOLE DE SECURITE INFORMATIQUE</a:t>
               </a:r>
-              <a:endParaRPr lang="fr-FR" altLang="en-US" sz="600" b="1">
-                <a:solidFill>
-                  <a:schemeClr val="tx1">
-                    <a:lumMod val="75000"/>
-                    <a:lumOff val="25000"/>
-                  </a:schemeClr>
-                </a:solidFill>
-                <a:cs typeface="Arial" panose="020B0604020202020204" pitchFamily="34" charset="0"/>
-              </a:endParaRPr>
             </a:p>
           </p:txBody>
         </p:sp>
@@ -10455,6 +9626,7 @@
             <a:bodyPr wrap="square" rtlCol="0">
               <a:spAutoFit/>
             </a:bodyPr>
+            <a:lstStyle/>
             <a:p>
               <a:pPr algn="just"/>
               <a:r>
@@ -10483,16 +9655,6 @@
                 </a:rPr>
                 <a:t> </a:t>
               </a:r>
-              <a:endParaRPr lang="en-US" sz="700" dirty="0">
-                <a:solidFill>
-                  <a:schemeClr val="tx1">
-                    <a:lumMod val="75000"/>
-                    <a:lumOff val="25000"/>
-                  </a:schemeClr>
-                </a:solidFill>
-                <a:ea typeface="Open Sans" panose="020B0606030504020204" pitchFamily="34" charset="0"/>
-                <a:cs typeface="Arial" panose="020B0604020202020204" pitchFamily="34" charset="0"/>
-              </a:endParaRPr>
             </a:p>
           </p:txBody>
         </p:sp>
@@ -10613,6 +9775,7 @@
           </p:style>
           <p:txBody>
             <a:bodyPr rtlCol="0" anchor="ctr"/>
+            <a:lstStyle/>
             <a:p>
               <a:pPr algn="ctr"/>
               <a:endParaRPr lang="en-US">
@@ -10646,6 +9809,7 @@
             <a:bodyPr wrap="square" rtlCol="0">
               <a:spAutoFit/>
             </a:bodyPr>
+            <a:lstStyle/>
             <a:p>
               <a:pPr algn="ctr"/>
               <a:r>
@@ -10657,58 +9821,10 @@
                 </a:rPr>
                 <a:t>Jan.2020 - Dec.2020</a:t>
               </a:r>
-              <a:endParaRPr lang="fr-FR" altLang="en-US" sz="700" dirty="0">
-                <a:solidFill>
-                  <a:schemeClr val="bg1"/>
-                </a:solidFill>
-                <a:cs typeface="Arial" panose="020B0604020202020204" pitchFamily="34" charset="0"/>
-              </a:endParaRPr>
             </a:p>
           </p:txBody>
         </p:sp>
       </p:grpSp>
-      <p:sp>
-        <p:nvSpPr>
-          <p:cNvPr id="41" name="TextBox 144"/>
-          <p:cNvSpPr txBox="1"/>
-          <p:nvPr/>
-        </p:nvSpPr>
-        <p:spPr>
-          <a:xfrm>
-            <a:off x="202654" y="10364876"/>
-            <a:ext cx="1185836" cy="213995"/>
-          </a:xfrm>
-          <a:prstGeom prst="rect">
-            <a:avLst/>
-          </a:prstGeom>
-          <a:noFill/>
-        </p:spPr>
-        <p:txBody>
-          <a:bodyPr wrap="square" rtlCol="0">
-            <a:spAutoFit/>
-          </a:bodyPr>
-          <a:p>
-            <a:pPr algn="just"/>
-            <a:r>
-              <a:rPr lang="fr-FR" altLang="en-US" sz="800" dirty="0" err="1">
-                <a:solidFill>
-                  <a:schemeClr val="bg1"/>
-                </a:solidFill>
-                <a:ea typeface="Roboto Slab" pitchFamily="2" charset="0"/>
-                <a:cs typeface="Arial" panose="020B0604020202020204" pitchFamily="34" charset="0"/>
-              </a:rPr>
-              <a:t>AM/A1/A2/B1/B</a:t>
-            </a:r>
-            <a:endParaRPr lang="fr-FR" altLang="en-US" sz="800" dirty="0" err="1">
-              <a:solidFill>
-                <a:schemeClr val="bg1"/>
-              </a:solidFill>
-              <a:ea typeface="Roboto Slab" pitchFamily="2" charset="0"/>
-              <a:cs typeface="Arial" panose="020B0604020202020204" pitchFamily="34" charset="0"/>
-            </a:endParaRPr>
-          </a:p>
-        </p:txBody>
-      </p:sp>
       <p:sp>
         <p:nvSpPr>
           <p:cNvPr id="42" name="Zone de texte 41"/>
@@ -10729,6 +9845,7 @@
           <a:bodyPr wrap="none" rtlCol="0">
             <a:spAutoFit/>
           </a:bodyPr>
+          <a:lstStyle/>
           <a:p>
             <a:endParaRPr lang="fr-FR" altLang="en-US"/>
           </a:p>
@@ -10768,6 +9885,7 @@
             <a:bodyPr wrap="square" rtlCol="0">
               <a:spAutoFit/>
             </a:bodyPr>
+            <a:lstStyle/>
             <a:p>
               <a:r>
                 <a:rPr lang="fr-FR" altLang="en-US" sz="800" dirty="0">
@@ -10796,12 +9914,6 @@
                 </a:rPr>
                 <a:t>Toulouse-France</a:t>
               </a:r>
-              <a:endParaRPr lang="fr-FR" altLang="en-US" sz="800" dirty="0">
-                <a:solidFill>
-                  <a:srgbClr val="374976"/>
-                </a:solidFill>
-                <a:cs typeface="Arial" panose="020B0604020202020204" pitchFamily="34" charset="0"/>
-              </a:endParaRPr>
             </a:p>
           </p:txBody>
         </p:sp>
@@ -10825,6 +9937,7 @@
             <a:bodyPr wrap="square" rtlCol="0">
               <a:spAutoFit/>
             </a:bodyPr>
+            <a:lstStyle/>
             <a:p>
               <a:r>
                 <a:rPr lang="fr-FR" altLang="en-US" sz="600" b="1">
@@ -10838,15 +9951,6 @@
                 </a:rPr>
                 <a:t>DEVELOPPEMENT WEB &amp; WEB MOBILE OPTION CYBER SECURITE</a:t>
               </a:r>
-              <a:endParaRPr lang="fr-FR" altLang="en-US" sz="600" b="1">
-                <a:solidFill>
-                  <a:schemeClr val="tx1">
-                    <a:lumMod val="75000"/>
-                    <a:lumOff val="25000"/>
-                  </a:schemeClr>
-                </a:solidFill>
-                <a:cs typeface="Arial" panose="020B0604020202020204" pitchFamily="34" charset="0"/>
-              </a:endParaRPr>
             </a:p>
           </p:txBody>
         </p:sp>
@@ -10870,6 +9974,7 @@
             <a:bodyPr wrap="square" rtlCol="0">
               <a:spAutoFit/>
             </a:bodyPr>
+            <a:lstStyle/>
             <a:p>
               <a:pPr algn="just"/>
               <a:r>
@@ -10885,16 +9990,6 @@
                 </a:rPr>
                 <a:t> </a:t>
               </a:r>
-              <a:endParaRPr lang="en-US" sz="700" dirty="0">
-                <a:solidFill>
-                  <a:schemeClr val="tx1">
-                    <a:lumMod val="75000"/>
-                    <a:lumOff val="25000"/>
-                  </a:schemeClr>
-                </a:solidFill>
-                <a:ea typeface="Open Sans" panose="020B0606030504020204" pitchFamily="34" charset="0"/>
-                <a:cs typeface="Arial" panose="020B0604020202020204" pitchFamily="34" charset="0"/>
-              </a:endParaRPr>
             </a:p>
           </p:txBody>
         </p:sp>
@@ -11015,6 +10110,7 @@
           </p:style>
           <p:txBody>
             <a:bodyPr rtlCol="0" anchor="ctr"/>
+            <a:lstStyle/>
             <a:p>
               <a:pPr algn="ctr"/>
               <a:endParaRPr lang="en-US">
@@ -11048,6 +10144,7 @@
             <a:bodyPr wrap="square" rtlCol="0">
               <a:spAutoFit/>
             </a:bodyPr>
+            <a:lstStyle/>
             <a:p>
               <a:pPr algn="ctr"/>
               <a:r>
@@ -11059,21 +10156,262 @@
                 </a:rPr>
                 <a:t>Juil.2023 - Juin.2024</a:t>
               </a:r>
-              <a:endParaRPr lang="fr-FR" altLang="en-US" sz="700" dirty="0">
-                <a:solidFill>
-                  <a:schemeClr val="bg1"/>
-                </a:solidFill>
-                <a:cs typeface="Arial" panose="020B0604020202020204" pitchFamily="34" charset="0"/>
-              </a:endParaRPr>
             </a:p>
           </p:txBody>
         </p:sp>
       </p:grpSp>
+      <p:pic>
+        <p:nvPicPr>
+          <p:cNvPr id="46" name="Image 45"/>
+          <p:cNvPicPr>
+            <a:picLocks noChangeAspect="1"/>
+          </p:cNvPicPr>
+          <p:nvPr/>
+        </p:nvPicPr>
+        <p:blipFill>
+          <a:blip r:embed="rId4" cstate="print">
+            <a:extLst>
+              <a:ext uri="{28A0092B-C50C-407E-A947-70E740481C1C}">
+                <a14:useLocalDpi xmlns:a14="http://schemas.microsoft.com/office/drawing/2010/main" val="0"/>
+              </a:ext>
+            </a:extLst>
+          </a:blip>
+          <a:stretch>
+            <a:fillRect/>
+          </a:stretch>
+        </p:blipFill>
+        <p:spPr>
+          <a:xfrm>
+            <a:off x="69875" y="7425406"/>
+            <a:ext cx="348037" cy="288000"/>
+          </a:xfrm>
+          <a:prstGeom prst="rect">
+            <a:avLst/>
+          </a:prstGeom>
+          <a:ln>
+            <a:noFill/>
+          </a:ln>
+          <a:effectLst>
+            <a:outerShdw blurRad="190500" algn="tl" rotWithShape="0">
+              <a:srgbClr val="000000">
+                <a:alpha val="70000"/>
+              </a:srgbClr>
+            </a:outerShdw>
+          </a:effectLst>
+        </p:spPr>
+      </p:pic>
+      <p:pic>
+        <p:nvPicPr>
+          <p:cNvPr id="47" name="Image 46"/>
+          <p:cNvPicPr>
+            <a:picLocks noChangeAspect="1"/>
+          </p:cNvPicPr>
+          <p:nvPr/>
+        </p:nvPicPr>
+        <p:blipFill>
+          <a:blip r:embed="rId5" cstate="print">
+            <a:extLst>
+              <a:ext uri="{28A0092B-C50C-407E-A947-70E740481C1C}">
+                <a14:useLocalDpi xmlns:a14="http://schemas.microsoft.com/office/drawing/2010/main" val="0"/>
+              </a:ext>
+            </a:extLst>
+          </a:blip>
+          <a:stretch>
+            <a:fillRect/>
+          </a:stretch>
+        </p:blipFill>
+        <p:spPr>
+          <a:xfrm>
+            <a:off x="469886" y="7419219"/>
+            <a:ext cx="377528" cy="288000"/>
+          </a:xfrm>
+          <a:prstGeom prst="rect">
+            <a:avLst/>
+          </a:prstGeom>
+          <a:ln>
+            <a:noFill/>
+          </a:ln>
+          <a:effectLst>
+            <a:outerShdw blurRad="190500" algn="tl" rotWithShape="0">
+              <a:srgbClr val="000000">
+                <a:alpha val="70000"/>
+              </a:srgbClr>
+            </a:outerShdw>
+          </a:effectLst>
+        </p:spPr>
+      </p:pic>
+      <p:pic>
+        <p:nvPicPr>
+          <p:cNvPr id="48" name="Image 47"/>
+          <p:cNvPicPr>
+            <a:picLocks noChangeAspect="1"/>
+          </p:cNvPicPr>
+          <p:nvPr/>
+        </p:nvPicPr>
+        <p:blipFill>
+          <a:blip r:embed="rId6" cstate="print">
+            <a:extLst>
+              <a:ext uri="{28A0092B-C50C-407E-A947-70E740481C1C}">
+                <a14:useLocalDpi xmlns:a14="http://schemas.microsoft.com/office/drawing/2010/main" val="0"/>
+              </a:ext>
+            </a:extLst>
+          </a:blip>
+          <a:stretch>
+            <a:fillRect/>
+          </a:stretch>
+        </p:blipFill>
+        <p:spPr>
+          <a:xfrm>
+            <a:off x="846090" y="7415787"/>
+            <a:ext cx="406994" cy="288000"/>
+          </a:xfrm>
+          <a:prstGeom prst="rect">
+            <a:avLst/>
+          </a:prstGeom>
+          <a:ln>
+            <a:noFill/>
+          </a:ln>
+          <a:effectLst>
+            <a:outerShdw blurRad="190500" algn="tl" rotWithShape="0">
+              <a:srgbClr val="000000">
+                <a:alpha val="70000"/>
+              </a:srgbClr>
+            </a:outerShdw>
+          </a:effectLst>
+        </p:spPr>
+      </p:pic>
+      <p:pic>
+        <p:nvPicPr>
+          <p:cNvPr id="49" name="Image 48"/>
+          <p:cNvPicPr>
+            <a:picLocks noChangeAspect="1"/>
+          </p:cNvPicPr>
+          <p:nvPr/>
+        </p:nvPicPr>
+        <p:blipFill>
+          <a:blip r:embed="rId7" cstate="print">
+            <a:extLst>
+              <a:ext uri="{28A0092B-C50C-407E-A947-70E740481C1C}">
+                <a14:useLocalDpi xmlns:a14="http://schemas.microsoft.com/office/drawing/2010/main" val="0"/>
+              </a:ext>
+            </a:extLst>
+          </a:blip>
+          <a:stretch>
+            <a:fillRect/>
+          </a:stretch>
+        </p:blipFill>
+        <p:spPr>
+          <a:xfrm>
+            <a:off x="1234526" y="7418587"/>
+            <a:ext cx="415768" cy="288000"/>
+          </a:xfrm>
+          <a:prstGeom prst="rect">
+            <a:avLst/>
+          </a:prstGeom>
+          <a:ln>
+            <a:noFill/>
+          </a:ln>
+          <a:effectLst>
+            <a:outerShdw blurRad="190500" algn="tl" rotWithShape="0">
+              <a:srgbClr val="000000">
+                <a:alpha val="70000"/>
+              </a:srgbClr>
+            </a:outerShdw>
+          </a:effectLst>
+        </p:spPr>
+      </p:pic>
+      <p:pic>
+        <p:nvPicPr>
+          <p:cNvPr id="55" name="Image 54"/>
+          <p:cNvPicPr>
+            <a:picLocks noChangeAspect="1"/>
+          </p:cNvPicPr>
+          <p:nvPr/>
+        </p:nvPicPr>
+        <p:blipFill>
+          <a:blip r:embed="rId8" cstate="print">
+            <a:extLst>
+              <a:ext uri="{28A0092B-C50C-407E-A947-70E740481C1C}">
+                <a14:useLocalDpi xmlns:a14="http://schemas.microsoft.com/office/drawing/2010/main" val="0"/>
+              </a:ext>
+            </a:extLst>
+          </a:blip>
+          <a:stretch>
+            <a:fillRect/>
+          </a:stretch>
+        </p:blipFill>
+        <p:spPr>
+          <a:xfrm>
+            <a:off x="1670557" y="7473402"/>
+            <a:ext cx="417600" cy="220518"/>
+          </a:xfrm>
+          <a:prstGeom prst="rect">
+            <a:avLst/>
+          </a:prstGeom>
+          <a:ln>
+            <a:noFill/>
+          </a:ln>
+          <a:effectLst>
+            <a:outerShdw blurRad="190500" algn="tl" rotWithShape="0">
+              <a:srgbClr val="000000">
+                <a:alpha val="70000"/>
+              </a:srgbClr>
+            </a:outerShdw>
+          </a:effectLst>
+        </p:spPr>
+      </p:pic>
+      <p:pic>
+        <p:nvPicPr>
+          <p:cNvPr id="58" name="Image 57"/>
+          <p:cNvPicPr>
+            <a:picLocks noChangeAspect="1"/>
+          </p:cNvPicPr>
+          <p:nvPr/>
+        </p:nvPicPr>
+        <p:blipFill>
+          <a:blip r:embed="rId9" cstate="print">
+            <a:extLst>
+              <a:ext uri="{28A0092B-C50C-407E-A947-70E740481C1C}">
+                <a14:useLocalDpi xmlns:a14="http://schemas.microsoft.com/office/drawing/2010/main" val="0"/>
+              </a:ext>
+            </a:extLst>
+          </a:blip>
+          <a:stretch>
+            <a:fillRect/>
+          </a:stretch>
+        </p:blipFill>
+        <p:spPr>
+          <a:xfrm>
+            <a:off x="2150378" y="7425406"/>
+            <a:ext cx="417600" cy="281060"/>
+          </a:xfrm>
+          <a:prstGeom prst="rect">
+            <a:avLst/>
+          </a:prstGeom>
+          <a:ln>
+            <a:noFill/>
+          </a:ln>
+          <a:effectLst>
+            <a:outerShdw blurRad="190500" algn="tl" rotWithShape="0">
+              <a:srgbClr val="000000">
+                <a:alpha val="70000"/>
+              </a:srgbClr>
+            </a:outerShdw>
+          </a:effectLst>
+        </p:spPr>
+      </p:pic>
     </p:spTree>
   </p:cSld>
   <p:clrMapOvr>
     <a:masterClrMapping/>
   </p:clrMapOvr>
+  <p:timing>
+    <p:tnLst>
+      <p:par>
+        <p:cTn id="1" dur="indefinite" restart="never" nodeType="tmRoot"/>
+      </p:par>
+    </p:tnLst>
+  </p:timing>
 </p:sld>
 </file>
 
@@ -11328,6 +10666,8 @@
       </a:bgFillStyleLst>
     </a:fmtScheme>
   </a:themeElements>
+  <a:objectDefaults/>
+  <a:extraClrSchemeLst/>
   <a:extLst>
     <a:ext uri="{05A4C25C-085E-4340-85A3-A5531E510DB2}">
       <thm15:themeFamily xmlns:thm15="http://schemas.microsoft.com/office/thememl/2012/main" name="Office Theme" id="{62F939B6-93AF-4DB8-9C6B-D6C7DFDC589F}" vid="{4A3C46E8-61CC-4603-A589-7422A47A8E4A}"/>
@@ -11587,6 +10927,8 @@
       </a:bgFillStyleLst>
     </a:fmtScheme>
   </a:themeElements>
+  <a:objectDefaults/>
+  <a:extraClrSchemeLst/>
   <a:extLst>
     <a:ext uri="{05A4C25C-085E-4340-85A3-A5531E510DB2}">
       <thm15:themeFamily xmlns:thm15="http://schemas.microsoft.com/office/thememl/2012/main" name="Office Theme" id="{62F939B6-93AF-4DB8-9C6B-D6C7DFDC589F}" vid="{4A3C46E8-61CC-4603-A589-7422A47A8E4A}"/>

--- a/CV/CV KOUASSI GLOHNDY.pptx
+++ b/CV/CV KOUASSI GLOHNDY.pptx
@@ -197,7 +197,7 @@
           <a:p>
             <a:fld id="{439CED96-068A-4274-8614-CE8858D45159}" type="datetimeFigureOut">
               <a:rPr lang="fr-FR" smtClean="0"/>
-              <a:t>07/12/2023</a:t>
+              <a:t>21/12/2023</a:t>
             </a:fld>
             <a:endParaRPr lang="fr-FR"/>
           </a:p>
@@ -652,7 +652,7 @@
           <a:p>
             <a:fld id="{2010C000-F47A-4862-94BD-D4C6B79C0935}" type="datetimeFigureOut">
               <a:rPr lang="en-US" smtClean="0"/>
-              <a:t>12/7/2023</a:t>
+              <a:t>12/21/2023</a:t>
             </a:fld>
             <a:endParaRPr lang="en-US"/>
           </a:p>
@@ -817,7 +817,7 @@
           <a:p>
             <a:fld id="{2010C000-F47A-4862-94BD-D4C6B79C0935}" type="datetimeFigureOut">
               <a:rPr lang="en-US" smtClean="0"/>
-              <a:t>12/7/2023</a:t>
+              <a:t>12/21/2023</a:t>
             </a:fld>
             <a:endParaRPr lang="en-US"/>
           </a:p>
@@ -992,7 +992,7 @@
           <a:p>
             <a:fld id="{2010C000-F47A-4862-94BD-D4C6B79C0935}" type="datetimeFigureOut">
               <a:rPr lang="en-US" smtClean="0"/>
-              <a:t>12/7/2023</a:t>
+              <a:t>12/21/2023</a:t>
             </a:fld>
             <a:endParaRPr lang="en-US"/>
           </a:p>
@@ -1157,7 +1157,7 @@
           <a:p>
             <a:fld id="{2010C000-F47A-4862-94BD-D4C6B79C0935}" type="datetimeFigureOut">
               <a:rPr lang="en-US" smtClean="0"/>
-              <a:t>12/7/2023</a:t>
+              <a:t>12/21/2023</a:t>
             </a:fld>
             <a:endParaRPr lang="en-US"/>
           </a:p>
@@ -1396,7 +1396,7 @@
           <a:p>
             <a:fld id="{2010C000-F47A-4862-94BD-D4C6B79C0935}" type="datetimeFigureOut">
               <a:rPr lang="en-US" smtClean="0"/>
-              <a:t>12/7/2023</a:t>
+              <a:t>12/21/2023</a:t>
             </a:fld>
             <a:endParaRPr lang="en-US"/>
           </a:p>
@@ -1623,7 +1623,7 @@
           <a:p>
             <a:fld id="{2010C000-F47A-4862-94BD-D4C6B79C0935}" type="datetimeFigureOut">
               <a:rPr lang="en-US" smtClean="0"/>
-              <a:t>12/7/2023</a:t>
+              <a:t>12/21/2023</a:t>
             </a:fld>
             <a:endParaRPr lang="en-US"/>
           </a:p>
@@ -1985,7 +1985,7 @@
           <a:p>
             <a:fld id="{2010C000-F47A-4862-94BD-D4C6B79C0935}" type="datetimeFigureOut">
               <a:rPr lang="en-US" smtClean="0"/>
-              <a:t>12/7/2023</a:t>
+              <a:t>12/21/2023</a:t>
             </a:fld>
             <a:endParaRPr lang="en-US"/>
           </a:p>
@@ -2098,7 +2098,7 @@
           <a:p>
             <a:fld id="{2010C000-F47A-4862-94BD-D4C6B79C0935}" type="datetimeFigureOut">
               <a:rPr lang="en-US" smtClean="0"/>
-              <a:t>12/7/2023</a:t>
+              <a:t>12/21/2023</a:t>
             </a:fld>
             <a:endParaRPr lang="en-US"/>
           </a:p>
@@ -2188,7 +2188,7 @@
           <a:p>
             <a:fld id="{2010C000-F47A-4862-94BD-D4C6B79C0935}" type="datetimeFigureOut">
               <a:rPr lang="en-US" smtClean="0"/>
-              <a:t>12/7/2023</a:t>
+              <a:t>12/21/2023</a:t>
             </a:fld>
             <a:endParaRPr lang="en-US"/>
           </a:p>
@@ -2460,7 +2460,7 @@
           <a:p>
             <a:fld id="{2010C000-F47A-4862-94BD-D4C6B79C0935}" type="datetimeFigureOut">
               <a:rPr lang="en-US" smtClean="0"/>
-              <a:t>12/7/2023</a:t>
+              <a:t>12/21/2023</a:t>
             </a:fld>
             <a:endParaRPr lang="en-US"/>
           </a:p>
@@ -2712,7 +2712,7 @@
           <a:p>
             <a:fld id="{2010C000-F47A-4862-94BD-D4C6B79C0935}" type="datetimeFigureOut">
               <a:rPr lang="en-US" smtClean="0"/>
-              <a:t>12/7/2023</a:t>
+              <a:t>12/21/2023</a:t>
             </a:fld>
             <a:endParaRPr lang="en-US"/>
           </a:p>
@@ -2920,7 +2920,7 @@
           <a:p>
             <a:fld id="{2010C000-F47A-4862-94BD-D4C6B79C0935}" type="datetimeFigureOut">
               <a:rPr lang="en-US" smtClean="0"/>
-              <a:t>12/7/2023</a:t>
+              <a:t>12/21/2023</a:t>
             </a:fld>
             <a:endParaRPr lang="en-US"/>
           </a:p>
@@ -3614,7 +3614,33 @@
                 <a:ea typeface="Open Sans" panose="020B0606030504020204" pitchFamily="34" charset="0"/>
                 <a:cs typeface="Arial" panose="020B0604020202020204" pitchFamily="34" charset="0"/>
               </a:rPr>
-              <a:t>J’ai créé plusieurs sites internet qui figurent dans mon portfolio. Je suis titulaire d’un BTS et d’une licence en informatique développement application. Aujourd'hui en </a:t>
+              <a:t>J’ai créé plusieurs sites internet qui figurent dans mon </a:t>
+            </a:r>
+            <a:r>
+              <a:rPr lang="fr-FR" altLang="en-US" sz="800" smtClean="0">
+                <a:solidFill>
+                  <a:schemeClr val="tx1">
+                    <a:lumMod val="75000"/>
+                    <a:lumOff val="25000"/>
+                  </a:schemeClr>
+                </a:solidFill>
+                <a:ea typeface="Open Sans" panose="020B0606030504020204" pitchFamily="34" charset="0"/>
+                <a:cs typeface="Arial" panose="020B0604020202020204" pitchFamily="34" charset="0"/>
+              </a:rPr>
+              <a:t>portfolio et je </a:t>
+            </a:r>
+            <a:r>
+              <a:rPr lang="fr-FR" altLang="en-US" sz="800" dirty="0">
+                <a:solidFill>
+                  <a:schemeClr val="tx1">
+                    <a:lumMod val="75000"/>
+                    <a:lumOff val="25000"/>
+                  </a:schemeClr>
+                </a:solidFill>
+                <a:ea typeface="Open Sans" panose="020B0606030504020204" pitchFamily="34" charset="0"/>
+                <a:cs typeface="Arial" panose="020B0604020202020204" pitchFamily="34" charset="0"/>
+              </a:rPr>
+              <a:t>suis titulaire d’un BTS et d’une licence en informatique développement application. Aujourd'hui en </a:t>
             </a:r>
             <a:r>
               <a:rPr lang="fr-FR" altLang="en-US" sz="800" dirty="0" smtClean="0">
